--- a/Prezentace/1. ročník/PGM_02_vyvojove_diagramy.pptx
+++ b/Prezentace/1. ročník/PGM_02_vyvojove_diagramy.pptx
@@ -6,10 +6,10 @@
     <p:sldMasterId id="2147483686" r:id="rId2"/>
   </p:sldMasterIdLst>
   <p:notesMasterIdLst>
-    <p:notesMasterId r:id="rId14"/>
+    <p:notesMasterId r:id="rId13"/>
   </p:notesMasterIdLst>
   <p:handoutMasterIdLst>
-    <p:handoutMasterId r:id="rId15"/>
+    <p:handoutMasterId r:id="rId14"/>
   </p:handoutMasterIdLst>
   <p:sldIdLst>
     <p:sldId id="257" r:id="rId3"/>
@@ -18,11 +18,10 @@
     <p:sldId id="260" r:id="rId6"/>
     <p:sldId id="261" r:id="rId7"/>
     <p:sldId id="263" r:id="rId8"/>
-    <p:sldId id="265" r:id="rId9"/>
-    <p:sldId id="266" r:id="rId10"/>
-    <p:sldId id="268" r:id="rId11"/>
-    <p:sldId id="269" r:id="rId12"/>
-    <p:sldId id="270" r:id="rId13"/>
+    <p:sldId id="266" r:id="rId9"/>
+    <p:sldId id="268" r:id="rId10"/>
+    <p:sldId id="269" r:id="rId11"/>
+    <p:sldId id="270" r:id="rId12"/>
   </p:sldIdLst>
   <p:sldSz cx="12192000" cy="6858000"/>
   <p:notesSz cx="6858000" cy="9144000"/>
@@ -7803,7 +7802,7 @@
           <a:p>
             <a:r>
               <a:rPr lang="cs-CZ" sz="5400" dirty="0"/>
-              <a:t>Vstup/Výstup, blok instrukcí</a:t>
+              <a:t>Vývojové diagramy - procvičení</a:t>
             </a:r>
           </a:p>
         </p:txBody>
@@ -8056,26 +8055,53 @@
         </p:spPr>
         <p:txBody>
           <a:bodyPr anchor="ctr">
-            <a:normAutofit/>
+            <a:normAutofit lnSpcReduction="10000"/>
           </a:bodyPr>
           <a:lstStyle/>
           <a:p>
             <a:r>
               <a:rPr lang="cs-CZ" dirty="0"/>
-              <a:t>Pro vstupně/výstupní příkazy využíváme v popisu slovesa v rozkazovacím tvaru.</a:t>
+              <a:t>Zatlučení hřebíku</a:t>
             </a:r>
           </a:p>
           <a:p>
             <a:r>
               <a:rPr lang="cs-CZ" dirty="0"/>
-              <a:t>Spolu s tím uvádíme výčet proměnných, které chceme načíst nebo vypsat</a:t>
+              <a:t>Přechod křižovatky se semaforem</a:t>
             </a:r>
           </a:p>
           <a:p>
             <a:r>
               <a:rPr lang="cs-CZ" dirty="0"/>
-              <a:t>Blok instrukcí obsahuje příkazy obvykle pracující s proměnnými, které načteme od uživatele nebo je deklarujeme v průběhu</a:t>
-            </a:r>
+              <a:t>Zobrazení většího čísla ze dvou hodnot</a:t>
+            </a:r>
+          </a:p>
+          <a:p>
+            <a:r>
+              <a:rPr lang="cs-CZ" dirty="0"/>
+              <a:t>Rozhodnutí, zda lze zkonstruovat trojúhelník</a:t>
+            </a:r>
+          </a:p>
+          <a:p>
+            <a:r>
+              <a:rPr lang="cs-CZ" dirty="0"/>
+              <a:t>Prohození dvou proměnných</a:t>
+            </a:r>
+          </a:p>
+          <a:p>
+            <a:r>
+              <a:rPr lang="cs-CZ" dirty="0"/>
+              <a:t>Součet tří čísel</a:t>
+            </a:r>
+          </a:p>
+          <a:p>
+            <a:r>
+              <a:rPr lang="cs-CZ" dirty="0"/>
+              <a:t>Zjištění kolik ze zadaných čísel je sudých a kolik lichých</a:t>
+            </a:r>
+          </a:p>
+          <a:p>
+            <a:endParaRPr lang="cs-CZ" dirty="0"/>
           </a:p>
         </p:txBody>
       </p:sp>
@@ -8125,70 +8151,10 @@
           </a:p>
         </p:txBody>
       </p:sp>
-      <p:pic>
-        <p:nvPicPr>
-          <p:cNvPr id="13" name="Zástupný obsah 4">
-            <a:extLst>
-              <a:ext uri="{FF2B5EF4-FFF2-40B4-BE49-F238E27FC236}">
-                <a16:creationId xmlns:a16="http://schemas.microsoft.com/office/drawing/2014/main" id="{3B6F75A7-C940-4192-90AE-FE4BD79A1C3C}"/>
-              </a:ext>
-            </a:extLst>
-          </p:cNvPr>
-          <p:cNvPicPr>
-            <a:picLocks noChangeAspect="1"/>
-          </p:cNvPicPr>
-          <p:nvPr/>
-        </p:nvPicPr>
-        <p:blipFill>
-          <a:blip r:embed="rId2"/>
-          <a:stretch>
-            <a:fillRect/>
-          </a:stretch>
-        </p:blipFill>
-        <p:spPr>
-          <a:xfrm>
-            <a:off x="5251072" y="1692281"/>
-            <a:ext cx="2290552" cy="1240298"/>
-          </a:xfrm>
-          <a:prstGeom prst="rect">
-            <a:avLst/>
-          </a:prstGeom>
-        </p:spPr>
-      </p:pic>
-      <p:pic>
-        <p:nvPicPr>
-          <p:cNvPr id="14" name="Obrázek 13">
-            <a:extLst>
-              <a:ext uri="{FF2B5EF4-FFF2-40B4-BE49-F238E27FC236}">
-                <a16:creationId xmlns:a16="http://schemas.microsoft.com/office/drawing/2014/main" id="{BC789FDA-41C4-4DF0-8B85-B70092ADE773}"/>
-              </a:ext>
-            </a:extLst>
-          </p:cNvPr>
-          <p:cNvPicPr>
-            <a:picLocks noChangeAspect="1"/>
-          </p:cNvPicPr>
-          <p:nvPr/>
-        </p:nvPicPr>
-        <p:blipFill>
-          <a:blip r:embed="rId3"/>
-          <a:stretch>
-            <a:fillRect/>
-          </a:stretch>
-        </p:blipFill>
-        <p:spPr>
-          <a:xfrm>
-            <a:off x="8210968" y="1494867"/>
-            <a:ext cx="2403246" cy="1577516"/>
-          </a:xfrm>
-          <a:prstGeom prst="rect">
-            <a:avLst/>
-          </a:prstGeom>
-        </p:spPr>
-      </p:pic>
     </p:spTree>
     <p:extLst>
       <p:ext uri="{BB962C8B-B14F-4D97-AF65-F5344CB8AC3E}">
-        <p14:creationId xmlns:p14="http://schemas.microsoft.com/office/powerpoint/2010/main" val="3848800688"/>
+        <p14:creationId xmlns:p14="http://schemas.microsoft.com/office/powerpoint/2010/main" val="1674186013"/>
       </p:ext>
     </p:extLst>
   </p:cSld>
@@ -8198,7 +8164,7 @@
 </p:sld>
 </file>
 
-<file path=ppt/slides/slide11.xml><?xml version="1.0" encoding="utf-8"?>
+<file path=ppt/slides/slide2.xml><?xml version="1.0" encoding="utf-8"?>
 <p:sld xmlns:a="http://schemas.openxmlformats.org/drawingml/2006/main" xmlns:r="http://schemas.openxmlformats.org/officeDocument/2006/relationships" xmlns:p="http://schemas.openxmlformats.org/presentationml/2006/main">
   <p:cSld>
     <p:bg>
@@ -8312,8 +8278,8 @@
           <a:lstStyle/>
           <a:p>
             <a:r>
-              <a:rPr lang="cs-CZ" sz="5400" dirty="0"/>
-              <a:t>Vývojové diagramy - procvičení</a:t>
+              <a:rPr lang="cs-CZ" sz="5400"/>
+              <a:t>Proměnná</a:t>
             </a:r>
           </a:p>
         </p:txBody>
@@ -8566,53 +8532,61 @@
         </p:spPr>
         <p:txBody>
           <a:bodyPr anchor="ctr">
-            <a:normAutofit lnSpcReduction="10000"/>
+            <a:normAutofit/>
           </a:bodyPr>
           <a:lstStyle/>
           <a:p>
             <a:r>
-              <a:rPr lang="cs-CZ" dirty="0"/>
-              <a:t>Zatlučení hřebíku</a:t>
-            </a:r>
-          </a:p>
-          <a:p>
-            <a:r>
-              <a:rPr lang="cs-CZ" dirty="0"/>
-              <a:t>Přechod křižovatky se semaforem</a:t>
-            </a:r>
-          </a:p>
-          <a:p>
-            <a:r>
-              <a:rPr lang="cs-CZ" dirty="0"/>
-              <a:t>Zobrazení většího čísla ze dvou hodnot</a:t>
-            </a:r>
-          </a:p>
-          <a:p>
-            <a:r>
-              <a:rPr lang="cs-CZ" dirty="0"/>
-              <a:t>Rozhodnutí, zda lze zkonstruovat trojúhelník</a:t>
-            </a:r>
-          </a:p>
-          <a:p>
-            <a:r>
-              <a:rPr lang="cs-CZ" dirty="0"/>
-              <a:t>Prohození dvou proměnných</a:t>
-            </a:r>
-          </a:p>
-          <a:p>
-            <a:r>
-              <a:rPr lang="cs-CZ" dirty="0"/>
-              <a:t>Součet tří čísel</a:t>
-            </a:r>
-          </a:p>
-          <a:p>
-            <a:r>
-              <a:rPr lang="cs-CZ" dirty="0"/>
-              <a:t>Zjištění kolik ze zadaných čísel je sudých a kolik lichých</a:t>
-            </a:r>
-          </a:p>
-          <a:p>
-            <a:endParaRPr lang="cs-CZ" dirty="0"/>
+              <a:rPr lang="cs-CZ" sz="2200"/>
+              <a:t>Konkrétní pojmenované místo v paměti</a:t>
+            </a:r>
+          </a:p>
+          <a:p>
+            <a:r>
+              <a:rPr lang="cs-CZ" sz="2200"/>
+              <a:t>Obsah proměnné je určen datovým typem</a:t>
+            </a:r>
+          </a:p>
+          <a:p>
+            <a:pPr lvl="1"/>
+            <a:r>
+              <a:rPr lang="cs-CZ" sz="2200"/>
+              <a:t>Číslo, znak, řetězec, objekt, …</a:t>
+            </a:r>
+          </a:p>
+          <a:p>
+            <a:r>
+              <a:rPr lang="cs-CZ" sz="2200"/>
+              <a:t>Každá proměnná má své jméno a hodnotu</a:t>
+            </a:r>
+          </a:p>
+          <a:p>
+            <a:pPr lvl="1"/>
+            <a:r>
+              <a:rPr lang="cs-CZ" sz="2200"/>
+              <a:t>Např.: uzivatelskeJmeno = „HelmutOpravarKominu“, vekCloveka = 86, …</a:t>
+            </a:r>
+          </a:p>
+          <a:p>
+            <a:r>
+              <a:rPr lang="cs-CZ" sz="2200"/>
+              <a:t>Jednoduchá proměnná</a:t>
+            </a:r>
+          </a:p>
+          <a:p>
+            <a:r>
+              <a:rPr lang="cs-CZ" sz="2200"/>
+              <a:t>Strukturovaná proměnná</a:t>
+            </a:r>
+          </a:p>
+          <a:p>
+            <a:r>
+              <a:rPr lang="cs-CZ" sz="2200"/>
+              <a:t>Hodnotu proměnné ukládáme přiřazovacím příkazem nebo příkazem vstupu</a:t>
+            </a:r>
+          </a:p>
+          <a:p>
+            <a:endParaRPr lang="cs-CZ" sz="2200"/>
           </a:p>
         </p:txBody>
       </p:sp>
@@ -8656,7 +8630,7 @@
                   <a:spcPts val="600"/>
                 </a:spcAft>
               </a:pPr>
-              <a:t>11</a:t>
+              <a:t>2</a:t>
             </a:fld>
             <a:endParaRPr lang="en-US"/>
           </a:p>
@@ -8665,7 +8639,7 @@
     </p:spTree>
     <p:extLst>
       <p:ext uri="{BB962C8B-B14F-4D97-AF65-F5344CB8AC3E}">
-        <p14:creationId xmlns:p14="http://schemas.microsoft.com/office/powerpoint/2010/main" val="1674186013"/>
+        <p14:creationId xmlns:p14="http://schemas.microsoft.com/office/powerpoint/2010/main" val="1478735005"/>
       </p:ext>
     </p:extLst>
   </p:cSld>
@@ -8675,7 +8649,7 @@
 </p:sld>
 </file>
 
-<file path=ppt/slides/slide2.xml><?xml version="1.0" encoding="utf-8"?>
+<file path=ppt/slides/slide3.xml><?xml version="1.0" encoding="utf-8"?>
 <p:sld xmlns:a="http://schemas.openxmlformats.org/drawingml/2006/main" xmlns:r="http://schemas.openxmlformats.org/officeDocument/2006/relationships" xmlns:p="http://schemas.openxmlformats.org/presentationml/2006/main">
   <p:cSld>
     <p:bg>
@@ -8789,8 +8763,8 @@
           <a:lstStyle/>
           <a:p>
             <a:r>
-              <a:rPr lang="cs-CZ" sz="5400"/>
-              <a:t>Proměnná</a:t>
+              <a:rPr lang="cs-CZ" sz="5400" dirty="0"/>
+              <a:t>Vývojový diagram (VD)</a:t>
             </a:r>
           </a:p>
         </p:txBody>
@@ -9048,56 +9022,33 @@
           <a:lstStyle/>
           <a:p>
             <a:r>
-              <a:rPr lang="cs-CZ" sz="2200"/>
-              <a:t>Konkrétní pojmenované místo v paměti</a:t>
-            </a:r>
-          </a:p>
-          <a:p>
-            <a:r>
-              <a:rPr lang="cs-CZ" sz="2200"/>
-              <a:t>Obsah proměnné je určen datovým typem</a:t>
-            </a:r>
-          </a:p>
-          <a:p>
-            <a:pPr lvl="1"/>
-            <a:r>
-              <a:rPr lang="cs-CZ" sz="2200"/>
-              <a:t>Číslo, znak, řetězec, objekt, …</a:t>
-            </a:r>
-          </a:p>
-          <a:p>
-            <a:r>
-              <a:rPr lang="cs-CZ" sz="2200"/>
-              <a:t>Každá proměnná má své jméno a hodnotu</a:t>
-            </a:r>
-          </a:p>
-          <a:p>
-            <a:pPr lvl="1"/>
-            <a:r>
-              <a:rPr lang="cs-CZ" sz="2200"/>
-              <a:t>Např.: uzivatelskeJmeno = „HelmutOpravarKominu“, vekCloveka = 86, …</a:t>
-            </a:r>
-          </a:p>
-          <a:p>
-            <a:r>
-              <a:rPr lang="cs-CZ" sz="2200"/>
-              <a:t>Jednoduchá proměnná</a:t>
-            </a:r>
-          </a:p>
-          <a:p>
-            <a:r>
-              <a:rPr lang="cs-CZ" sz="2200"/>
-              <a:t>Strukturovaná proměnná</a:t>
-            </a:r>
-          </a:p>
-          <a:p>
-            <a:r>
-              <a:rPr lang="cs-CZ" sz="2200"/>
-              <a:t>Hodnotu proměnné ukládáme přiřazovacím příkazem nebo příkazem vstupu</a:t>
-            </a:r>
-          </a:p>
-          <a:p>
-            <a:endParaRPr lang="cs-CZ" sz="2200"/>
+              <a:rPr lang="cs-CZ" sz="2000" dirty="0"/>
+              <a:t>Grafické znázornění algoritmu</a:t>
+            </a:r>
+          </a:p>
+          <a:p>
+            <a:r>
+              <a:rPr lang="cs-CZ" sz="2000" dirty="0"/>
+              <a:t>Slouží k názornému představení konkrétního algoritmu a usnadňuje jeho pochopení</a:t>
+            </a:r>
+          </a:p>
+          <a:p>
+            <a:r>
+              <a:rPr lang="cs-CZ" sz="2000" dirty="0"/>
+              <a:t>Čteme a vytváříme jej směrem odshora dolů</a:t>
+            </a:r>
+          </a:p>
+          <a:p>
+            <a:r>
+              <a:rPr lang="cs-CZ" sz="2000" dirty="0"/>
+              <a:t>Šipky v diagramu představují směr</a:t>
+            </a:r>
+          </a:p>
+          <a:p>
+            <a:r>
+              <a:rPr lang="cs-CZ" sz="2000" dirty="0"/>
+              <a:t>Pro kreslení se dodržují ucelená pravidla a normy</a:t>
+            </a:r>
           </a:p>
         </p:txBody>
       </p:sp>
@@ -9141,7 +9092,7 @@
                   <a:spcPts val="600"/>
                 </a:spcAft>
               </a:pPr>
-              <a:t>2</a:t>
+              <a:t>3</a:t>
             </a:fld>
             <a:endParaRPr lang="en-US"/>
           </a:p>
@@ -9150,7 +9101,7 @@
     </p:spTree>
     <p:extLst>
       <p:ext uri="{BB962C8B-B14F-4D97-AF65-F5344CB8AC3E}">
-        <p14:creationId xmlns:p14="http://schemas.microsoft.com/office/powerpoint/2010/main" val="1478735005"/>
+        <p14:creationId xmlns:p14="http://schemas.microsoft.com/office/powerpoint/2010/main" val="1448815871"/>
       </p:ext>
     </p:extLst>
   </p:cSld>
@@ -9160,7 +9111,7 @@
 </p:sld>
 </file>
 
-<file path=ppt/slides/slide3.xml><?xml version="1.0" encoding="utf-8"?>
+<file path=ppt/slides/slide4.xml><?xml version="1.0" encoding="utf-8"?>
 <p:sld xmlns:a="http://schemas.openxmlformats.org/drawingml/2006/main" xmlns:r="http://schemas.openxmlformats.org/officeDocument/2006/relationships" xmlns:p="http://schemas.openxmlformats.org/presentationml/2006/main">
   <p:cSld>
     <p:bg>
@@ -9187,10 +9138,10 @@
       </p:grpSpPr>
       <p:sp useBgFill="1">
         <p:nvSpPr>
-          <p:cNvPr id="20" name="Rectangle 8">
-            <a:extLst>
-              <a:ext uri="{FF2B5EF4-FFF2-40B4-BE49-F238E27FC236}">
-                <a16:creationId xmlns:a16="http://schemas.microsoft.com/office/drawing/2014/main" id="{DBF61EA3-B236-439E-9C0B-340980D56BEE}"/>
+          <p:cNvPr id="30" name="Rectangle 29">
+            <a:extLst>
+              <a:ext uri="{FF2B5EF4-FFF2-40B4-BE49-F238E27FC236}">
+                <a16:creationId xmlns:a16="http://schemas.microsoft.com/office/drawing/2014/main" id="{9A724DBA-D2D9-471E-8ED7-2015DDD950DF}"/>
               </a:ext>
               <a:ext uri="{C183D7F6-B498-43B3-948B-1728B52AA6E4}">
                 <adec:decorative xmlns:adec="http://schemas.microsoft.com/office/drawing/2017/decorative" val="1"/>
@@ -9263,6 +9214,1031 @@
         </p:nvSpPr>
         <p:spPr>
           <a:xfrm>
+            <a:off x="7239014" y="525982"/>
+            <a:ext cx="4282983" cy="1200361"/>
+          </a:xfrm>
+        </p:spPr>
+        <p:txBody>
+          <a:bodyPr anchor="b">
+            <a:normAutofit/>
+          </a:bodyPr>
+          <a:lstStyle/>
+          <a:p>
+            <a:r>
+              <a:rPr lang="cs-CZ" sz="3600"/>
+              <a:t>Vývojový diagram</a:t>
+            </a:r>
+          </a:p>
+        </p:txBody>
+      </p:sp>
+      <p:sp>
+        <p:nvSpPr>
+          <p:cNvPr id="32" name="Rectangle 31">
+            <a:extLst>
+              <a:ext uri="{FF2B5EF4-FFF2-40B4-BE49-F238E27FC236}">
+                <a16:creationId xmlns:a16="http://schemas.microsoft.com/office/drawing/2014/main" id="{08980754-6F4B-43C9-B9BE-127B6BED6586}"/>
+              </a:ext>
+              <a:ext uri="{C183D7F6-B498-43B3-948B-1728B52AA6E4}">
+                <adec:decorative xmlns:adec="http://schemas.microsoft.com/office/drawing/2017/decorative" val="1"/>
+              </a:ext>
+            </a:extLst>
+          </p:cNvPr>
+          <p:cNvSpPr>
+            <a:spLocks noGrp="1" noRot="1" noChangeAspect="1" noMove="1" noResize="1" noEditPoints="1" noAdjustHandles="1" noChangeArrowheads="1" noChangeShapeType="1" noTextEdit="1"/>
+          </p:cNvSpPr>
+          <p:nvPr>
+            <p:extLst>
+              <p:ext uri="{386F3935-93C4-4BCD-93E2-E3B085C9AB24}">
+                <p16:designElem xmlns:p16="http://schemas.microsoft.com/office/powerpoint/2015/main" val="1"/>
+              </p:ext>
+            </p:extLst>
+          </p:nvPr>
+        </p:nvSpPr>
+        <p:spPr>
+          <a:xfrm rot="5400000">
+            <a:off x="5546413" y="215201"/>
+            <a:ext cx="740664" cy="11833491"/>
+          </a:xfrm>
+          <a:prstGeom prst="rect">
+            <a:avLst/>
+          </a:prstGeom>
+          <a:solidFill>
+            <a:schemeClr val="accent4"/>
+          </a:solidFill>
+          <a:ln>
+            <a:noFill/>
+          </a:ln>
+        </p:spPr>
+        <p:style>
+          <a:lnRef idx="2">
+            <a:schemeClr val="accent1">
+              <a:shade val="50000"/>
+            </a:schemeClr>
+          </a:lnRef>
+          <a:fillRef idx="1">
+            <a:schemeClr val="accent1"/>
+          </a:fillRef>
+          <a:effectRef idx="0">
+            <a:schemeClr val="accent1"/>
+          </a:effectRef>
+          <a:fontRef idx="minor">
+            <a:schemeClr val="lt1"/>
+          </a:fontRef>
+        </p:style>
+        <p:txBody>
+          <a:bodyPr rtlCol="0" anchor="ctr"/>
+          <a:lstStyle/>
+          <a:p>
+            <a:pPr algn="ctr"/>
+            <a:endParaRPr lang="en-US"/>
+          </a:p>
+        </p:txBody>
+      </p:sp>
+      <p:sp>
+        <p:nvSpPr>
+          <p:cNvPr id="34" name="Rectangle 33">
+            <a:extLst>
+              <a:ext uri="{FF2B5EF4-FFF2-40B4-BE49-F238E27FC236}">
+                <a16:creationId xmlns:a16="http://schemas.microsoft.com/office/drawing/2014/main" id="{2C1BBA94-3F40-40AA-8BB9-E69E25E537C1}"/>
+              </a:ext>
+              <a:ext uri="{C183D7F6-B498-43B3-948B-1728B52AA6E4}">
+                <adec:decorative xmlns:adec="http://schemas.microsoft.com/office/drawing/2017/decorative" val="1"/>
+              </a:ext>
+            </a:extLst>
+          </p:cNvPr>
+          <p:cNvSpPr>
+            <a:spLocks noGrp="1" noRot="1" noChangeAspect="1" noMove="1" noResize="1" noEditPoints="1" noAdjustHandles="1" noChangeArrowheads="1" noChangeShapeType="1" noTextEdit="1"/>
+          </p:cNvSpPr>
+          <p:nvPr>
+            <p:extLst>
+              <p:ext uri="{386F3935-93C4-4BCD-93E2-E3B085C9AB24}">
+                <p16:designElem xmlns:p16="http://schemas.microsoft.com/office/powerpoint/2015/main" val="1"/>
+              </p:ext>
+            </p:extLst>
+          </p:nvPr>
+        </p:nvSpPr>
+        <p:spPr>
+          <a:xfrm>
+            <a:off x="310234" y="354959"/>
+            <a:ext cx="6184973" cy="5915212"/>
+          </a:xfrm>
+          <a:prstGeom prst="rect">
+            <a:avLst/>
+          </a:prstGeom>
+          <a:solidFill>
+            <a:schemeClr val="bg1"/>
+          </a:solidFill>
+          <a:ln>
+            <a:noFill/>
+          </a:ln>
+          <a:effectLst>
+            <a:outerShdw blurRad="139700" dist="127000" dir="5400000" algn="t" rotWithShape="0">
+              <a:prstClr val="black">
+                <a:alpha val="15000"/>
+              </a:prstClr>
+            </a:outerShdw>
+          </a:effectLst>
+        </p:spPr>
+        <p:style>
+          <a:lnRef idx="2">
+            <a:schemeClr val="accent1">
+              <a:shade val="50000"/>
+            </a:schemeClr>
+          </a:lnRef>
+          <a:fillRef idx="1">
+            <a:schemeClr val="accent1"/>
+          </a:fillRef>
+          <a:effectRef idx="0">
+            <a:schemeClr val="accent1"/>
+          </a:effectRef>
+          <a:fontRef idx="minor">
+            <a:schemeClr val="lt1"/>
+          </a:fontRef>
+        </p:style>
+        <p:txBody>
+          <a:bodyPr rtlCol="0" anchor="ctr"/>
+          <a:lstStyle/>
+          <a:p>
+            <a:pPr algn="ctr"/>
+            <a:endParaRPr lang="en-US"/>
+          </a:p>
+        </p:txBody>
+      </p:sp>
+      <p:pic>
+        <p:nvPicPr>
+          <p:cNvPr id="5" name="Zástupný obsah 4">
+            <a:extLst>
+              <a:ext uri="{FF2B5EF4-FFF2-40B4-BE49-F238E27FC236}">
+                <a16:creationId xmlns:a16="http://schemas.microsoft.com/office/drawing/2014/main" id="{F1588FF1-F47A-869C-B131-199BFF535AE1}"/>
+              </a:ext>
+            </a:extLst>
+          </p:cNvPr>
+          <p:cNvPicPr>
+            <a:picLocks noChangeAspect="1"/>
+          </p:cNvPicPr>
+          <p:nvPr/>
+        </p:nvPicPr>
+        <p:blipFill>
+          <a:blip r:embed="rId2"/>
+          <a:stretch>
+            <a:fillRect/>
+          </a:stretch>
+        </p:blipFill>
+        <p:spPr>
+          <a:xfrm>
+            <a:off x="576244" y="1272408"/>
+            <a:ext cx="5628018" cy="4080313"/>
+          </a:xfrm>
+          <a:prstGeom prst="rect">
+            <a:avLst/>
+          </a:prstGeom>
+        </p:spPr>
+      </p:pic>
+      <p:sp>
+        <p:nvSpPr>
+          <p:cNvPr id="36" name="Rectangle 35">
+            <a:extLst>
+              <a:ext uri="{FF2B5EF4-FFF2-40B4-BE49-F238E27FC236}">
+                <a16:creationId xmlns:a16="http://schemas.microsoft.com/office/drawing/2014/main" id="{169CC832-2974-4E8D-90ED-3E2941BA7336}"/>
+              </a:ext>
+              <a:ext uri="{C183D7F6-B498-43B3-948B-1728B52AA6E4}">
+                <adec:decorative xmlns:adec="http://schemas.microsoft.com/office/drawing/2017/decorative" val="1"/>
+              </a:ext>
+            </a:extLst>
+          </p:cNvPr>
+          <p:cNvSpPr>
+            <a:spLocks noGrp="1" noRot="1" noChangeAspect="1" noMove="1" noResize="1" noEditPoints="1" noAdjustHandles="1" noChangeArrowheads="1" noChangeShapeType="1" noTextEdit="1"/>
+          </p:cNvSpPr>
+          <p:nvPr>
+            <p:extLst>
+              <p:ext uri="{386F3935-93C4-4BCD-93E2-E3B085C9AB24}">
+                <p16:designElem xmlns:p16="http://schemas.microsoft.com/office/powerpoint/2015/main" val="1"/>
+              </p:ext>
+            </p:extLst>
+          </p:nvPr>
+        </p:nvSpPr>
+        <p:spPr>
+          <a:xfrm flipH="1">
+            <a:off x="7277786" y="1944913"/>
+            <a:ext cx="4023360" cy="27432"/>
+          </a:xfrm>
+          <a:prstGeom prst="rect">
+            <a:avLst/>
+          </a:prstGeom>
+          <a:solidFill>
+            <a:schemeClr val="accent4"/>
+          </a:solidFill>
+          <a:ln>
+            <a:noFill/>
+          </a:ln>
+        </p:spPr>
+        <p:style>
+          <a:lnRef idx="2">
+            <a:schemeClr val="accent1">
+              <a:shade val="50000"/>
+            </a:schemeClr>
+          </a:lnRef>
+          <a:fillRef idx="1">
+            <a:schemeClr val="accent1"/>
+          </a:fillRef>
+          <a:effectRef idx="0">
+            <a:schemeClr val="accent1"/>
+          </a:effectRef>
+          <a:fontRef idx="minor">
+            <a:schemeClr val="lt1"/>
+          </a:fontRef>
+        </p:style>
+        <p:txBody>
+          <a:bodyPr rtlCol="0" anchor="ctr"/>
+          <a:lstStyle/>
+          <a:p>
+            <a:pPr algn="ctr"/>
+            <a:endParaRPr lang="en-US"/>
+          </a:p>
+        </p:txBody>
+      </p:sp>
+      <p:sp>
+        <p:nvSpPr>
+          <p:cNvPr id="27" name="Content Placeholder 26">
+            <a:extLst>
+              <a:ext uri="{FF2B5EF4-FFF2-40B4-BE49-F238E27FC236}">
+                <a16:creationId xmlns:a16="http://schemas.microsoft.com/office/drawing/2014/main" id="{119A69FD-8E01-A56F-ECDA-0080FDD296C4}"/>
+              </a:ext>
+            </a:extLst>
+          </p:cNvPr>
+          <p:cNvSpPr>
+            <a:spLocks noGrp="1"/>
+          </p:cNvSpPr>
+          <p:nvPr>
+            <p:ph idx="1"/>
+          </p:nvPr>
+        </p:nvSpPr>
+        <p:spPr>
+          <a:xfrm>
+            <a:off x="7239012" y="2031101"/>
+            <a:ext cx="4282984" cy="3511943"/>
+          </a:xfrm>
+        </p:spPr>
+        <p:txBody>
+          <a:bodyPr anchor="ctr">
+            <a:normAutofit/>
+          </a:bodyPr>
+          <a:lstStyle/>
+          <a:p>
+            <a:r>
+              <a:rPr lang="cs-CZ" sz="1800" dirty="0"/>
+              <a:t>Značky využívané v diagramech jsou standardizované</a:t>
+            </a:r>
+          </a:p>
+          <a:p>
+            <a:r>
+              <a:rPr lang="cs-CZ" sz="1800" dirty="0"/>
+              <a:t>Algoritmus lze přečíst nehledě na znalost programovacího jazyka</a:t>
+            </a:r>
+          </a:p>
+          <a:p>
+            <a:r>
+              <a:rPr lang="cs-CZ" sz="1800" dirty="0"/>
+              <a:t>Popis je univerzální </a:t>
+            </a:r>
+            <a:endParaRPr lang="en-US" sz="1800" dirty="0"/>
+          </a:p>
+        </p:txBody>
+      </p:sp>
+      <p:sp>
+        <p:nvSpPr>
+          <p:cNvPr id="4" name="Zástupný symbol pro číslo snímku 3">
+            <a:extLst>
+              <a:ext uri="{FF2B5EF4-FFF2-40B4-BE49-F238E27FC236}">
+                <a16:creationId xmlns:a16="http://schemas.microsoft.com/office/drawing/2014/main" id="{3CE1C585-EBCF-8717-C2DD-044A3C84E128}"/>
+              </a:ext>
+            </a:extLst>
+          </p:cNvPr>
+          <p:cNvSpPr>
+            <a:spLocks noGrp="1"/>
+          </p:cNvSpPr>
+          <p:nvPr>
+            <p:ph type="sldNum" sz="quarter" idx="12"/>
+          </p:nvPr>
+        </p:nvSpPr>
+        <p:spPr>
+          <a:xfrm>
+            <a:off x="8610600" y="6492240"/>
+            <a:ext cx="2743200" cy="365125"/>
+          </a:xfrm>
+        </p:spPr>
+        <p:txBody>
+          <a:bodyPr>
+            <a:normAutofit/>
+          </a:bodyPr>
+          <a:lstStyle/>
+          <a:p>
+            <a:pPr rtl="0">
+              <a:spcAft>
+                <a:spcPts val="600"/>
+              </a:spcAft>
+            </a:pPr>
+            <a:fld id="{34B7E4EF-A1BD-40F4-AB7B-04F084DD991D}" type="slidenum">
+              <a:rPr lang="en-US" smtClean="0"/>
+              <a:pPr rtl="0">
+                <a:spcAft>
+                  <a:spcPts val="600"/>
+                </a:spcAft>
+              </a:pPr>
+              <a:t>4</a:t>
+            </a:fld>
+            <a:endParaRPr lang="en-US"/>
+          </a:p>
+        </p:txBody>
+      </p:sp>
+      <p:sp>
+        <p:nvSpPr>
+          <p:cNvPr id="38" name="Rectangle 37">
+            <a:extLst>
+              <a:ext uri="{FF2B5EF4-FFF2-40B4-BE49-F238E27FC236}">
+                <a16:creationId xmlns:a16="http://schemas.microsoft.com/office/drawing/2014/main" id="{55222F96-971A-4F90-B841-6BAB416C7AC1}"/>
+              </a:ext>
+              <a:ext uri="{C183D7F6-B498-43B3-948B-1728B52AA6E4}">
+                <adec:decorative xmlns:adec="http://schemas.microsoft.com/office/drawing/2017/decorative" val="1"/>
+              </a:ext>
+            </a:extLst>
+          </p:cNvPr>
+          <p:cNvSpPr>
+            <a:spLocks noGrp="1" noRot="1" noChangeAspect="1" noMove="1" noResize="1" noEditPoints="1" noAdjustHandles="1" noChangeArrowheads="1" noChangeShapeType="1" noTextEdit="1"/>
+          </p:cNvSpPr>
+          <p:nvPr>
+            <p:extLst>
+              <p:ext uri="{386F3935-93C4-4BCD-93E2-E3B085C9AB24}">
+                <p16:designElem xmlns:p16="http://schemas.microsoft.com/office/powerpoint/2015/main" val="1"/>
+              </p:ext>
+            </p:extLst>
+          </p:nvPr>
+        </p:nvSpPr>
+        <p:spPr>
+          <a:xfrm rot="5400000">
+            <a:off x="11677179" y="6053360"/>
+            <a:ext cx="740664" cy="154124"/>
+          </a:xfrm>
+          <a:prstGeom prst="rect">
+            <a:avLst/>
+          </a:prstGeom>
+          <a:solidFill>
+            <a:schemeClr val="accent4"/>
+          </a:solidFill>
+          <a:ln>
+            <a:noFill/>
+          </a:ln>
+        </p:spPr>
+        <p:style>
+          <a:lnRef idx="2">
+            <a:schemeClr val="accent1">
+              <a:shade val="50000"/>
+            </a:schemeClr>
+          </a:lnRef>
+          <a:fillRef idx="1">
+            <a:schemeClr val="accent1"/>
+          </a:fillRef>
+          <a:effectRef idx="0">
+            <a:schemeClr val="accent1"/>
+          </a:effectRef>
+          <a:fontRef idx="minor">
+            <a:schemeClr val="lt1"/>
+          </a:fontRef>
+        </p:style>
+        <p:txBody>
+          <a:bodyPr rtlCol="0" anchor="ctr"/>
+          <a:lstStyle/>
+          <a:p>
+            <a:pPr algn="ctr"/>
+            <a:endParaRPr lang="en-US"/>
+          </a:p>
+        </p:txBody>
+      </p:sp>
+    </p:spTree>
+    <p:extLst>
+      <p:ext uri="{BB962C8B-B14F-4D97-AF65-F5344CB8AC3E}">
+        <p14:creationId xmlns:p14="http://schemas.microsoft.com/office/powerpoint/2010/main" val="2416691177"/>
+      </p:ext>
+    </p:extLst>
+  </p:cSld>
+  <p:clrMapOvr>
+    <a:masterClrMapping/>
+  </p:clrMapOvr>
+</p:sld>
+</file>
+
+<file path=ppt/slides/slide5.xml><?xml version="1.0" encoding="utf-8"?>
+<p:sld xmlns:a="http://schemas.openxmlformats.org/drawingml/2006/main" xmlns:r="http://schemas.openxmlformats.org/officeDocument/2006/relationships" xmlns:p="http://schemas.openxmlformats.org/presentationml/2006/main">
+  <p:cSld>
+    <p:bg>
+      <p:bgPr>
+        <a:solidFill>
+          <a:schemeClr val="bg1"/>
+        </a:solidFill>
+        <a:effectLst/>
+      </p:bgPr>
+    </p:bg>
+    <p:spTree>
+      <p:nvGrpSpPr>
+        <p:cNvPr id="1" name=""/>
+        <p:cNvGrpSpPr/>
+        <p:nvPr/>
+      </p:nvGrpSpPr>
+      <p:grpSpPr>
+        <a:xfrm>
+          <a:off x="0" y="0"/>
+          <a:ext cx="0" cy="0"/>
+          <a:chOff x="0" y="0"/>
+          <a:chExt cx="0" cy="0"/>
+        </a:xfrm>
+      </p:grpSpPr>
+      <p:sp useBgFill="1">
+        <p:nvSpPr>
+          <p:cNvPr id="20" name="Rectangle 19">
+            <a:extLst>
+              <a:ext uri="{FF2B5EF4-FFF2-40B4-BE49-F238E27FC236}">
+                <a16:creationId xmlns:a16="http://schemas.microsoft.com/office/drawing/2014/main" id="{DBC6133C-0615-4CE4-9132-37E609A9BDFA}"/>
+              </a:ext>
+              <a:ext uri="{C183D7F6-B498-43B3-948B-1728B52AA6E4}">
+                <adec:decorative xmlns:adec="http://schemas.microsoft.com/office/drawing/2017/decorative" val="1"/>
+              </a:ext>
+            </a:extLst>
+          </p:cNvPr>
+          <p:cNvSpPr>
+            <a:spLocks noGrp="1" noRot="1" noChangeAspect="1" noMove="1" noResize="1" noEditPoints="1" noAdjustHandles="1" noChangeArrowheads="1" noChangeShapeType="1" noTextEdit="1"/>
+          </p:cNvSpPr>
+          <p:nvPr>
+            <p:extLst>
+              <p:ext uri="{386F3935-93C4-4BCD-93E2-E3B085C9AB24}">
+                <p16:designElem xmlns:p16="http://schemas.microsoft.com/office/powerpoint/2015/main" val="1"/>
+              </p:ext>
+            </p:extLst>
+          </p:nvPr>
+        </p:nvSpPr>
+        <p:spPr>
+          <a:xfrm>
+            <a:off x="0" y="0"/>
+            <a:ext cx="12191999" cy="6857365"/>
+          </a:xfrm>
+          <a:prstGeom prst="rect">
+            <a:avLst/>
+          </a:prstGeom>
+          <a:ln>
+            <a:noFill/>
+          </a:ln>
+        </p:spPr>
+        <p:style>
+          <a:lnRef idx="2">
+            <a:schemeClr val="accent1">
+              <a:shade val="50000"/>
+            </a:schemeClr>
+          </a:lnRef>
+          <a:fillRef idx="1">
+            <a:schemeClr val="accent1"/>
+          </a:fillRef>
+          <a:effectRef idx="0">
+            <a:schemeClr val="accent1"/>
+          </a:effectRef>
+          <a:fontRef idx="minor">
+            <a:schemeClr val="lt1"/>
+          </a:fontRef>
+        </p:style>
+        <p:txBody>
+          <a:bodyPr rtlCol="0" anchor="ctr"/>
+          <a:lstStyle/>
+          <a:p>
+            <a:pPr algn="ctr"/>
+            <a:endParaRPr lang="en-US"/>
+          </a:p>
+        </p:txBody>
+      </p:sp>
+      <p:sp>
+        <p:nvSpPr>
+          <p:cNvPr id="2" name="Nadpis 1">
+            <a:extLst>
+              <a:ext uri="{FF2B5EF4-FFF2-40B4-BE49-F238E27FC236}">
+                <a16:creationId xmlns:a16="http://schemas.microsoft.com/office/drawing/2014/main" id="{73E8D889-4523-6F03-57B1-F7751135FE3B}"/>
+              </a:ext>
+            </a:extLst>
+          </p:cNvPr>
+          <p:cNvSpPr>
+            <a:spLocks noGrp="1"/>
+          </p:cNvSpPr>
+          <p:nvPr>
+            <p:ph type="title"/>
+          </p:nvPr>
+        </p:nvSpPr>
+        <p:spPr>
+          <a:xfrm>
+            <a:off x="645064" y="525982"/>
+            <a:ext cx="4282983" cy="1200361"/>
+          </a:xfrm>
+        </p:spPr>
+        <p:txBody>
+          <a:bodyPr anchor="b">
+            <a:normAutofit/>
+          </a:bodyPr>
+          <a:lstStyle/>
+          <a:p>
+            <a:r>
+              <a:rPr lang="cs-CZ" sz="3600"/>
+              <a:t>Ukázka vývojového diagramu</a:t>
+            </a:r>
+          </a:p>
+        </p:txBody>
+      </p:sp>
+      <p:sp>
+        <p:nvSpPr>
+          <p:cNvPr id="22" name="Rectangle 21">
+            <a:extLst>
+              <a:ext uri="{FF2B5EF4-FFF2-40B4-BE49-F238E27FC236}">
+                <a16:creationId xmlns:a16="http://schemas.microsoft.com/office/drawing/2014/main" id="{169CC832-2974-4E8D-90ED-3E2941BA7336}"/>
+              </a:ext>
+              <a:ext uri="{C183D7F6-B498-43B3-948B-1728B52AA6E4}">
+                <adec:decorative xmlns:adec="http://schemas.microsoft.com/office/drawing/2017/decorative" val="1"/>
+              </a:ext>
+            </a:extLst>
+          </p:cNvPr>
+          <p:cNvSpPr>
+            <a:spLocks noGrp="1" noRot="1" noChangeAspect="1" noMove="1" noResize="1" noEditPoints="1" noAdjustHandles="1" noChangeArrowheads="1" noChangeShapeType="1" noTextEdit="1"/>
+          </p:cNvSpPr>
+          <p:nvPr>
+            <p:extLst>
+              <p:ext uri="{386F3935-93C4-4BCD-93E2-E3B085C9AB24}">
+                <p16:designElem xmlns:p16="http://schemas.microsoft.com/office/powerpoint/2015/main" val="1"/>
+              </p:ext>
+            </p:extLst>
+          </p:nvPr>
+        </p:nvSpPr>
+        <p:spPr>
+          <a:xfrm flipH="1">
+            <a:off x="616533" y="1944913"/>
+            <a:ext cx="4023360" cy="27432"/>
+          </a:xfrm>
+          <a:prstGeom prst="rect">
+            <a:avLst/>
+          </a:prstGeom>
+          <a:solidFill>
+            <a:schemeClr val="accent4"/>
+          </a:solidFill>
+          <a:ln>
+            <a:noFill/>
+          </a:ln>
+        </p:spPr>
+        <p:style>
+          <a:lnRef idx="2">
+            <a:schemeClr val="accent1">
+              <a:shade val="50000"/>
+            </a:schemeClr>
+          </a:lnRef>
+          <a:fillRef idx="1">
+            <a:schemeClr val="accent1"/>
+          </a:fillRef>
+          <a:effectRef idx="0">
+            <a:schemeClr val="accent1"/>
+          </a:effectRef>
+          <a:fontRef idx="minor">
+            <a:schemeClr val="lt1"/>
+          </a:fontRef>
+        </p:style>
+        <p:txBody>
+          <a:bodyPr rtlCol="0" anchor="ctr"/>
+          <a:lstStyle/>
+          <a:p>
+            <a:pPr algn="ctr"/>
+            <a:endParaRPr lang="en-US"/>
+          </a:p>
+        </p:txBody>
+      </p:sp>
+      <p:sp>
+        <p:nvSpPr>
+          <p:cNvPr id="3" name="Zástupný obsah 2">
+            <a:extLst>
+              <a:ext uri="{FF2B5EF4-FFF2-40B4-BE49-F238E27FC236}">
+                <a16:creationId xmlns:a16="http://schemas.microsoft.com/office/drawing/2014/main" id="{68105931-E7B5-F5F9-2CAC-CBDDED2CF52E}"/>
+              </a:ext>
+            </a:extLst>
+          </p:cNvPr>
+          <p:cNvSpPr>
+            <a:spLocks noGrp="1"/>
+          </p:cNvSpPr>
+          <p:nvPr>
+            <p:ph idx="1"/>
+          </p:nvPr>
+        </p:nvSpPr>
+        <p:spPr>
+          <a:xfrm>
+            <a:off x="645066" y="2031101"/>
+            <a:ext cx="4282984" cy="3511943"/>
+          </a:xfrm>
+        </p:spPr>
+        <p:txBody>
+          <a:bodyPr anchor="ctr">
+            <a:normAutofit/>
+          </a:bodyPr>
+          <a:lstStyle/>
+          <a:p>
+            <a:r>
+              <a:rPr lang="cs-CZ" sz="1800" dirty="0"/>
+              <a:t>Máme elektrický obvod složený z jednoho zdroje a jedné žárovky</a:t>
+            </a:r>
+          </a:p>
+          <a:p>
+            <a:r>
+              <a:rPr lang="cs-CZ" sz="1800" dirty="0"/>
+              <a:t>Chceme, aby se žárovka rozsvítila</a:t>
+            </a:r>
+          </a:p>
+        </p:txBody>
+      </p:sp>
+      <p:sp>
+        <p:nvSpPr>
+          <p:cNvPr id="24" name="Rectangle 23">
+            <a:extLst>
+              <a:ext uri="{FF2B5EF4-FFF2-40B4-BE49-F238E27FC236}">
+                <a16:creationId xmlns:a16="http://schemas.microsoft.com/office/drawing/2014/main" id="{55222F96-971A-4F90-B841-6BAB416C7AC1}"/>
+              </a:ext>
+              <a:ext uri="{C183D7F6-B498-43B3-948B-1728B52AA6E4}">
+                <adec:decorative xmlns:adec="http://schemas.microsoft.com/office/drawing/2017/decorative" val="1"/>
+              </a:ext>
+            </a:extLst>
+          </p:cNvPr>
+          <p:cNvSpPr>
+            <a:spLocks noGrp="1" noRot="1" noChangeAspect="1" noMove="1" noResize="1" noEditPoints="1" noAdjustHandles="1" noChangeArrowheads="1" noChangeShapeType="1" noTextEdit="1"/>
+          </p:cNvSpPr>
+          <p:nvPr>
+            <p:extLst>
+              <p:ext uri="{386F3935-93C4-4BCD-93E2-E3B085C9AB24}">
+                <p16:designElem xmlns:p16="http://schemas.microsoft.com/office/powerpoint/2015/main" val="1"/>
+              </p:ext>
+            </p:extLst>
+          </p:nvPr>
+        </p:nvSpPr>
+        <p:spPr>
+          <a:xfrm rot="5400000">
+            <a:off x="-225843" y="6053360"/>
+            <a:ext cx="740664" cy="154124"/>
+          </a:xfrm>
+          <a:prstGeom prst="rect">
+            <a:avLst/>
+          </a:prstGeom>
+          <a:solidFill>
+            <a:schemeClr val="accent4"/>
+          </a:solidFill>
+          <a:ln>
+            <a:noFill/>
+          </a:ln>
+        </p:spPr>
+        <p:style>
+          <a:lnRef idx="2">
+            <a:schemeClr val="accent1">
+              <a:shade val="50000"/>
+            </a:schemeClr>
+          </a:lnRef>
+          <a:fillRef idx="1">
+            <a:schemeClr val="accent1"/>
+          </a:fillRef>
+          <a:effectRef idx="0">
+            <a:schemeClr val="accent1"/>
+          </a:effectRef>
+          <a:fontRef idx="minor">
+            <a:schemeClr val="lt1"/>
+          </a:fontRef>
+        </p:style>
+        <p:txBody>
+          <a:bodyPr rtlCol="0" anchor="ctr"/>
+          <a:lstStyle/>
+          <a:p>
+            <a:pPr algn="ctr"/>
+            <a:endParaRPr lang="en-US"/>
+          </a:p>
+        </p:txBody>
+      </p:sp>
+      <p:sp>
+        <p:nvSpPr>
+          <p:cNvPr id="26" name="Rectangle 25">
+            <a:extLst>
+              <a:ext uri="{FF2B5EF4-FFF2-40B4-BE49-F238E27FC236}">
+                <a16:creationId xmlns:a16="http://schemas.microsoft.com/office/drawing/2014/main" id="{08980754-6F4B-43C9-B9BE-127B6BED6586}"/>
+              </a:ext>
+              <a:ext uri="{C183D7F6-B498-43B3-948B-1728B52AA6E4}">
+                <adec:decorative xmlns:adec="http://schemas.microsoft.com/office/drawing/2017/decorative" val="1"/>
+              </a:ext>
+            </a:extLst>
+          </p:cNvPr>
+          <p:cNvSpPr>
+            <a:spLocks noGrp="1" noRot="1" noChangeAspect="1" noMove="1" noResize="1" noEditPoints="1" noAdjustHandles="1" noChangeArrowheads="1" noChangeShapeType="1" noTextEdit="1"/>
+          </p:cNvSpPr>
+          <p:nvPr>
+            <p:extLst>
+              <p:ext uri="{386F3935-93C4-4BCD-93E2-E3B085C9AB24}">
+                <p16:designElem xmlns:p16="http://schemas.microsoft.com/office/powerpoint/2015/main" val="1"/>
+              </p:ext>
+            </p:extLst>
+          </p:nvPr>
+        </p:nvSpPr>
+        <p:spPr>
+          <a:xfrm rot="5400000">
+            <a:off x="5904923" y="215201"/>
+            <a:ext cx="740664" cy="11833491"/>
+          </a:xfrm>
+          <a:prstGeom prst="rect">
+            <a:avLst/>
+          </a:prstGeom>
+          <a:solidFill>
+            <a:schemeClr val="accent4"/>
+          </a:solidFill>
+          <a:ln>
+            <a:noFill/>
+          </a:ln>
+        </p:spPr>
+        <p:style>
+          <a:lnRef idx="2">
+            <a:schemeClr val="accent1">
+              <a:shade val="50000"/>
+            </a:schemeClr>
+          </a:lnRef>
+          <a:fillRef idx="1">
+            <a:schemeClr val="accent1"/>
+          </a:fillRef>
+          <a:effectRef idx="0">
+            <a:schemeClr val="accent1"/>
+          </a:effectRef>
+          <a:fontRef idx="minor">
+            <a:schemeClr val="lt1"/>
+          </a:fontRef>
+        </p:style>
+        <p:txBody>
+          <a:bodyPr rtlCol="0" anchor="ctr"/>
+          <a:lstStyle/>
+          <a:p>
+            <a:pPr algn="ctr"/>
+            <a:endParaRPr lang="en-US"/>
+          </a:p>
+        </p:txBody>
+      </p:sp>
+      <p:sp>
+        <p:nvSpPr>
+          <p:cNvPr id="28" name="Rectangle 27">
+            <a:extLst>
+              <a:ext uri="{FF2B5EF4-FFF2-40B4-BE49-F238E27FC236}">
+                <a16:creationId xmlns:a16="http://schemas.microsoft.com/office/drawing/2014/main" id="{2C1BBA94-3F40-40AA-8BB9-E69E25E537C1}"/>
+              </a:ext>
+              <a:ext uri="{C183D7F6-B498-43B3-948B-1728B52AA6E4}">
+                <adec:decorative xmlns:adec="http://schemas.microsoft.com/office/drawing/2017/decorative" val="1"/>
+              </a:ext>
+            </a:extLst>
+          </p:cNvPr>
+          <p:cNvSpPr>
+            <a:spLocks noGrp="1" noRot="1" noChangeAspect="1" noMove="1" noResize="1" noEditPoints="1" noAdjustHandles="1" noChangeArrowheads="1" noChangeShapeType="1" noTextEdit="1"/>
+          </p:cNvSpPr>
+          <p:nvPr>
+            <p:extLst>
+              <p:ext uri="{386F3935-93C4-4BCD-93E2-E3B085C9AB24}">
+                <p16:designElem xmlns:p16="http://schemas.microsoft.com/office/powerpoint/2015/main" val="1"/>
+              </p:ext>
+            </p:extLst>
+          </p:nvPr>
+        </p:nvSpPr>
+        <p:spPr>
+          <a:xfrm>
+            <a:off x="5696793" y="354959"/>
+            <a:ext cx="6184973" cy="5915212"/>
+          </a:xfrm>
+          <a:prstGeom prst="rect">
+            <a:avLst/>
+          </a:prstGeom>
+          <a:solidFill>
+            <a:schemeClr val="bg1"/>
+          </a:solidFill>
+          <a:ln>
+            <a:noFill/>
+          </a:ln>
+          <a:effectLst>
+            <a:outerShdw blurRad="139700" dist="127000" dir="5400000" algn="t" rotWithShape="0">
+              <a:prstClr val="black">
+                <a:alpha val="15000"/>
+              </a:prstClr>
+            </a:outerShdw>
+          </a:effectLst>
+        </p:spPr>
+        <p:style>
+          <a:lnRef idx="2">
+            <a:schemeClr val="accent1">
+              <a:shade val="50000"/>
+            </a:schemeClr>
+          </a:lnRef>
+          <a:fillRef idx="1">
+            <a:schemeClr val="accent1"/>
+          </a:fillRef>
+          <a:effectRef idx="0">
+            <a:schemeClr val="accent1"/>
+          </a:effectRef>
+          <a:fontRef idx="minor">
+            <a:schemeClr val="lt1"/>
+          </a:fontRef>
+        </p:style>
+        <p:txBody>
+          <a:bodyPr rtlCol="0" anchor="ctr"/>
+          <a:lstStyle/>
+          <a:p>
+            <a:pPr algn="ctr"/>
+            <a:endParaRPr lang="en-US"/>
+          </a:p>
+        </p:txBody>
+      </p:sp>
+      <p:pic>
+        <p:nvPicPr>
+          <p:cNvPr id="8" name="Zástupný obsah 4">
+            <a:extLst>
+              <a:ext uri="{FF2B5EF4-FFF2-40B4-BE49-F238E27FC236}">
+                <a16:creationId xmlns:a16="http://schemas.microsoft.com/office/drawing/2014/main" id="{1246C037-55EA-F31C-4B3E-65674241114A}"/>
+              </a:ext>
+            </a:extLst>
+          </p:cNvPr>
+          <p:cNvPicPr>
+            <a:picLocks noChangeAspect="1"/>
+          </p:cNvPicPr>
+          <p:nvPr/>
+        </p:nvPicPr>
+        <p:blipFill>
+          <a:blip r:embed="rId2"/>
+          <a:stretch>
+            <a:fillRect/>
+          </a:stretch>
+        </p:blipFill>
+        <p:spPr>
+          <a:xfrm>
+            <a:off x="6064399" y="650494"/>
+            <a:ext cx="5474696" cy="5324142"/>
+          </a:xfrm>
+          <a:prstGeom prst="rect">
+            <a:avLst/>
+          </a:prstGeom>
+        </p:spPr>
+      </p:pic>
+      <p:sp>
+        <p:nvSpPr>
+          <p:cNvPr id="4" name="Zástupný symbol pro číslo snímku 3">
+            <a:extLst>
+              <a:ext uri="{FF2B5EF4-FFF2-40B4-BE49-F238E27FC236}">
+                <a16:creationId xmlns:a16="http://schemas.microsoft.com/office/drawing/2014/main" id="{754BE593-8E5A-91A1-B70B-CB7DFE8E16F8}"/>
+              </a:ext>
+            </a:extLst>
+          </p:cNvPr>
+          <p:cNvSpPr>
+            <a:spLocks noGrp="1"/>
+          </p:cNvSpPr>
+          <p:nvPr>
+            <p:ph type="sldNum" sz="quarter" idx="12"/>
+          </p:nvPr>
+        </p:nvSpPr>
+        <p:spPr>
+          <a:xfrm>
+            <a:off x="8610600" y="6492240"/>
+            <a:ext cx="2743200" cy="365125"/>
+          </a:xfrm>
+        </p:spPr>
+        <p:txBody>
+          <a:bodyPr>
+            <a:normAutofit/>
+          </a:bodyPr>
+          <a:lstStyle/>
+          <a:p>
+            <a:pPr rtl="0">
+              <a:spcAft>
+                <a:spcPts val="600"/>
+              </a:spcAft>
+            </a:pPr>
+            <a:fld id="{34B7E4EF-A1BD-40F4-AB7B-04F084DD991D}" type="slidenum">
+              <a:rPr lang="en-US" smtClean="0"/>
+              <a:pPr rtl="0">
+                <a:spcAft>
+                  <a:spcPts val="600"/>
+                </a:spcAft>
+              </a:pPr>
+              <a:t>5</a:t>
+            </a:fld>
+            <a:endParaRPr lang="en-US"/>
+          </a:p>
+        </p:txBody>
+      </p:sp>
+    </p:spTree>
+    <p:extLst>
+      <p:ext uri="{BB962C8B-B14F-4D97-AF65-F5344CB8AC3E}">
+        <p14:creationId xmlns:p14="http://schemas.microsoft.com/office/powerpoint/2010/main" val="1214063424"/>
+      </p:ext>
+    </p:extLst>
+  </p:cSld>
+  <p:clrMapOvr>
+    <a:masterClrMapping/>
+  </p:clrMapOvr>
+</p:sld>
+</file>
+
+<file path=ppt/slides/slide6.xml><?xml version="1.0" encoding="utf-8"?>
+<p:sld xmlns:a="http://schemas.openxmlformats.org/drawingml/2006/main" xmlns:r="http://schemas.openxmlformats.org/officeDocument/2006/relationships" xmlns:p="http://schemas.openxmlformats.org/presentationml/2006/main">
+  <p:cSld>
+    <p:bg>
+      <p:bgPr>
+        <a:solidFill>
+          <a:schemeClr val="bg1"/>
+        </a:solidFill>
+        <a:effectLst/>
+      </p:bgPr>
+    </p:bg>
+    <p:spTree>
+      <p:nvGrpSpPr>
+        <p:cNvPr id="1" name=""/>
+        <p:cNvGrpSpPr/>
+        <p:nvPr/>
+      </p:nvGrpSpPr>
+      <p:grpSpPr>
+        <a:xfrm>
+          <a:off x="0" y="0"/>
+          <a:ext cx="0" cy="0"/>
+          <a:chOff x="0" y="0"/>
+          <a:chExt cx="0" cy="0"/>
+        </a:xfrm>
+      </p:grpSpPr>
+      <p:sp useBgFill="1">
+        <p:nvSpPr>
+          <p:cNvPr id="20" name="Rectangle 8">
+            <a:extLst>
+              <a:ext uri="{FF2B5EF4-FFF2-40B4-BE49-F238E27FC236}">
+                <a16:creationId xmlns:a16="http://schemas.microsoft.com/office/drawing/2014/main" id="{DBF61EA3-B236-439E-9C0B-340980D56BEE}"/>
+              </a:ext>
+              <a:ext uri="{C183D7F6-B498-43B3-948B-1728B52AA6E4}">
+                <adec:decorative xmlns:adec="http://schemas.microsoft.com/office/drawing/2017/decorative" val="1"/>
+              </a:ext>
+            </a:extLst>
+          </p:cNvPr>
+          <p:cNvSpPr>
+            <a:spLocks noGrp="1" noRot="1" noChangeAspect="1" noMove="1" noResize="1" noEditPoints="1" noAdjustHandles="1" noChangeArrowheads="1" noChangeShapeType="1" noTextEdit="1"/>
+          </p:cNvSpPr>
+          <p:nvPr>
+            <p:extLst>
+              <p:ext uri="{386F3935-93C4-4BCD-93E2-E3B085C9AB24}">
+                <p16:designElem xmlns:p16="http://schemas.microsoft.com/office/powerpoint/2015/main" val="1"/>
+              </p:ext>
+            </p:extLst>
+          </p:nvPr>
+        </p:nvSpPr>
+        <p:spPr>
+          <a:xfrm>
+            <a:off x="0" y="0"/>
+            <a:ext cx="12191999" cy="6857365"/>
+          </a:xfrm>
+          <a:prstGeom prst="rect">
+            <a:avLst/>
+          </a:prstGeom>
+          <a:ln>
+            <a:noFill/>
+          </a:ln>
+        </p:spPr>
+        <p:style>
+          <a:lnRef idx="2">
+            <a:schemeClr val="accent1">
+              <a:shade val="50000"/>
+            </a:schemeClr>
+          </a:lnRef>
+          <a:fillRef idx="1">
+            <a:schemeClr val="accent1"/>
+          </a:fillRef>
+          <a:effectRef idx="0">
+            <a:schemeClr val="accent1"/>
+          </a:effectRef>
+          <a:fontRef idx="minor">
+            <a:schemeClr val="lt1"/>
+          </a:fontRef>
+        </p:style>
+        <p:txBody>
+          <a:bodyPr rtlCol="0" anchor="ctr"/>
+          <a:lstStyle/>
+          <a:p>
+            <a:pPr algn="ctr"/>
+            <a:endParaRPr lang="en-US"/>
+          </a:p>
+        </p:txBody>
+      </p:sp>
+      <p:sp>
+        <p:nvSpPr>
+          <p:cNvPr id="2" name="Nadpis 1">
+            <a:extLst>
+              <a:ext uri="{FF2B5EF4-FFF2-40B4-BE49-F238E27FC236}">
+                <a16:creationId xmlns:a16="http://schemas.microsoft.com/office/drawing/2014/main" id="{5B48777E-3CF5-7678-00C9-6DF828D31DFB}"/>
+              </a:ext>
+            </a:extLst>
+          </p:cNvPr>
+          <p:cNvSpPr>
+            <a:spLocks noGrp="1"/>
+          </p:cNvSpPr>
+          <p:nvPr>
+            <p:ph type="title"/>
+          </p:nvPr>
+        </p:nvSpPr>
+        <p:spPr>
+          <a:xfrm>
             <a:off x="808638" y="386930"/>
             <a:ext cx="9236700" cy="1188950"/>
           </a:xfrm>
@@ -9275,7 +10251,7 @@
           <a:p>
             <a:r>
               <a:rPr lang="cs-CZ" sz="5400" dirty="0"/>
-              <a:t>Vývojový diagram (VD)</a:t>
+              <a:t>Sekvenční vývojový diagram</a:t>
             </a:r>
           </a:p>
         </p:txBody>
@@ -9534,32 +10510,37 @@
           <a:p>
             <a:r>
               <a:rPr lang="cs-CZ" sz="2000" dirty="0"/>
-              <a:t>Grafické znázornění algoritmu</a:t>
+              <a:t>Diagram obsahující POUZE příkazy následující za sebou</a:t>
             </a:r>
           </a:p>
           <a:p>
             <a:r>
               <a:rPr lang="cs-CZ" sz="2000" dirty="0"/>
-              <a:t>Slouží k názornému představení konkrétního algoritmu a usnadňuje jeho pochopení</a:t>
+              <a:t>Neobsahuje žádné větvení ani cykly</a:t>
             </a:r>
           </a:p>
           <a:p>
             <a:r>
               <a:rPr lang="cs-CZ" sz="2000" dirty="0"/>
-              <a:t>Čteme a vytváříme jej směrem odshora dolů</a:t>
+              <a:t>Elementární podoba diagramu</a:t>
             </a:r>
           </a:p>
           <a:p>
             <a:r>
               <a:rPr lang="cs-CZ" sz="2000" dirty="0"/>
-              <a:t>Šipky v diagramu představují směr</a:t>
+              <a:t>Stále platí ostatní náležitosti VD</a:t>
             </a:r>
           </a:p>
           <a:p>
             <a:r>
               <a:rPr lang="cs-CZ" sz="2000" dirty="0"/>
-              <a:t>Pro kreslení se dodržují ucelená pravidla a normy</a:t>
-            </a:r>
+              <a:t>Příklad – připravení </a:t>
+            </a:r>
+            <a:r>
+              <a:rPr lang="cs-CZ" sz="2000"/>
+              <a:t>instantní polévky</a:t>
+            </a:r>
+            <a:endParaRPr lang="cs-CZ" sz="2000" dirty="0"/>
           </a:p>
         </p:txBody>
       </p:sp>
@@ -9603,7 +10584,7 @@
                   <a:spcPts val="600"/>
                 </a:spcAft>
               </a:pPr>
-              <a:t>3</a:t>
+              <a:t>6</a:t>
             </a:fld>
             <a:endParaRPr lang="en-US"/>
           </a:p>
@@ -9612,7 +10593,7 @@
     </p:spTree>
     <p:extLst>
       <p:ext uri="{BB962C8B-B14F-4D97-AF65-F5344CB8AC3E}">
-        <p14:creationId xmlns:p14="http://schemas.microsoft.com/office/powerpoint/2010/main" val="1448815871"/>
+        <p14:creationId xmlns:p14="http://schemas.microsoft.com/office/powerpoint/2010/main" val="4242204828"/>
       </p:ext>
     </p:extLst>
   </p:cSld>
@@ -9622,7 +10603,7 @@
 </p:sld>
 </file>
 
-<file path=ppt/slides/slide4.xml><?xml version="1.0" encoding="utf-8"?>
+<file path=ppt/slides/slide7.xml><?xml version="1.0" encoding="utf-8"?>
 <p:sld xmlns:a="http://schemas.openxmlformats.org/drawingml/2006/main" xmlns:r="http://schemas.openxmlformats.org/officeDocument/2006/relationships" xmlns:p="http://schemas.openxmlformats.org/presentationml/2006/main">
   <p:cSld>
     <p:bg>
@@ -9649,10 +10630,10 @@
       </p:grpSpPr>
       <p:sp useBgFill="1">
         <p:nvSpPr>
-          <p:cNvPr id="30" name="Rectangle 29">
-            <a:extLst>
-              <a:ext uri="{FF2B5EF4-FFF2-40B4-BE49-F238E27FC236}">
-                <a16:creationId xmlns:a16="http://schemas.microsoft.com/office/drawing/2014/main" id="{9A724DBA-D2D9-471E-8ED7-2015DDD950DF}"/>
+          <p:cNvPr id="20" name="Rectangle 8">
+            <a:extLst>
+              <a:ext uri="{FF2B5EF4-FFF2-40B4-BE49-F238E27FC236}">
+                <a16:creationId xmlns:a16="http://schemas.microsoft.com/office/drawing/2014/main" id="{DBF61EA3-B236-439E-9C0B-340980D56BEE}"/>
               </a:ext>
               <a:ext uri="{C183D7F6-B498-43B3-948B-1728B52AA6E4}">
                 <adec:decorative xmlns:adec="http://schemas.microsoft.com/office/drawing/2017/decorative" val="1"/>
@@ -9725,1031 +10706,6 @@
         </p:nvSpPr>
         <p:spPr>
           <a:xfrm>
-            <a:off x="7239014" y="525982"/>
-            <a:ext cx="4282983" cy="1200361"/>
-          </a:xfrm>
-        </p:spPr>
-        <p:txBody>
-          <a:bodyPr anchor="b">
-            <a:normAutofit/>
-          </a:bodyPr>
-          <a:lstStyle/>
-          <a:p>
-            <a:r>
-              <a:rPr lang="cs-CZ" sz="3600"/>
-              <a:t>Vývojový diagram</a:t>
-            </a:r>
-          </a:p>
-        </p:txBody>
-      </p:sp>
-      <p:sp>
-        <p:nvSpPr>
-          <p:cNvPr id="32" name="Rectangle 31">
-            <a:extLst>
-              <a:ext uri="{FF2B5EF4-FFF2-40B4-BE49-F238E27FC236}">
-                <a16:creationId xmlns:a16="http://schemas.microsoft.com/office/drawing/2014/main" id="{08980754-6F4B-43C9-B9BE-127B6BED6586}"/>
-              </a:ext>
-              <a:ext uri="{C183D7F6-B498-43B3-948B-1728B52AA6E4}">
-                <adec:decorative xmlns:adec="http://schemas.microsoft.com/office/drawing/2017/decorative" val="1"/>
-              </a:ext>
-            </a:extLst>
-          </p:cNvPr>
-          <p:cNvSpPr>
-            <a:spLocks noGrp="1" noRot="1" noChangeAspect="1" noMove="1" noResize="1" noEditPoints="1" noAdjustHandles="1" noChangeArrowheads="1" noChangeShapeType="1" noTextEdit="1"/>
-          </p:cNvSpPr>
-          <p:nvPr>
-            <p:extLst>
-              <p:ext uri="{386F3935-93C4-4BCD-93E2-E3B085C9AB24}">
-                <p16:designElem xmlns:p16="http://schemas.microsoft.com/office/powerpoint/2015/main" val="1"/>
-              </p:ext>
-            </p:extLst>
-          </p:nvPr>
-        </p:nvSpPr>
-        <p:spPr>
-          <a:xfrm rot="5400000">
-            <a:off x="5546413" y="215201"/>
-            <a:ext cx="740664" cy="11833491"/>
-          </a:xfrm>
-          <a:prstGeom prst="rect">
-            <a:avLst/>
-          </a:prstGeom>
-          <a:solidFill>
-            <a:schemeClr val="accent4"/>
-          </a:solidFill>
-          <a:ln>
-            <a:noFill/>
-          </a:ln>
-        </p:spPr>
-        <p:style>
-          <a:lnRef idx="2">
-            <a:schemeClr val="accent1">
-              <a:shade val="50000"/>
-            </a:schemeClr>
-          </a:lnRef>
-          <a:fillRef idx="1">
-            <a:schemeClr val="accent1"/>
-          </a:fillRef>
-          <a:effectRef idx="0">
-            <a:schemeClr val="accent1"/>
-          </a:effectRef>
-          <a:fontRef idx="minor">
-            <a:schemeClr val="lt1"/>
-          </a:fontRef>
-        </p:style>
-        <p:txBody>
-          <a:bodyPr rtlCol="0" anchor="ctr"/>
-          <a:lstStyle/>
-          <a:p>
-            <a:pPr algn="ctr"/>
-            <a:endParaRPr lang="en-US"/>
-          </a:p>
-        </p:txBody>
-      </p:sp>
-      <p:sp>
-        <p:nvSpPr>
-          <p:cNvPr id="34" name="Rectangle 33">
-            <a:extLst>
-              <a:ext uri="{FF2B5EF4-FFF2-40B4-BE49-F238E27FC236}">
-                <a16:creationId xmlns:a16="http://schemas.microsoft.com/office/drawing/2014/main" id="{2C1BBA94-3F40-40AA-8BB9-E69E25E537C1}"/>
-              </a:ext>
-              <a:ext uri="{C183D7F6-B498-43B3-948B-1728B52AA6E4}">
-                <adec:decorative xmlns:adec="http://schemas.microsoft.com/office/drawing/2017/decorative" val="1"/>
-              </a:ext>
-            </a:extLst>
-          </p:cNvPr>
-          <p:cNvSpPr>
-            <a:spLocks noGrp="1" noRot="1" noChangeAspect="1" noMove="1" noResize="1" noEditPoints="1" noAdjustHandles="1" noChangeArrowheads="1" noChangeShapeType="1" noTextEdit="1"/>
-          </p:cNvSpPr>
-          <p:nvPr>
-            <p:extLst>
-              <p:ext uri="{386F3935-93C4-4BCD-93E2-E3B085C9AB24}">
-                <p16:designElem xmlns:p16="http://schemas.microsoft.com/office/powerpoint/2015/main" val="1"/>
-              </p:ext>
-            </p:extLst>
-          </p:nvPr>
-        </p:nvSpPr>
-        <p:spPr>
-          <a:xfrm>
-            <a:off x="310234" y="354959"/>
-            <a:ext cx="6184973" cy="5915212"/>
-          </a:xfrm>
-          <a:prstGeom prst="rect">
-            <a:avLst/>
-          </a:prstGeom>
-          <a:solidFill>
-            <a:schemeClr val="bg1"/>
-          </a:solidFill>
-          <a:ln>
-            <a:noFill/>
-          </a:ln>
-          <a:effectLst>
-            <a:outerShdw blurRad="139700" dist="127000" dir="5400000" algn="t" rotWithShape="0">
-              <a:prstClr val="black">
-                <a:alpha val="15000"/>
-              </a:prstClr>
-            </a:outerShdw>
-          </a:effectLst>
-        </p:spPr>
-        <p:style>
-          <a:lnRef idx="2">
-            <a:schemeClr val="accent1">
-              <a:shade val="50000"/>
-            </a:schemeClr>
-          </a:lnRef>
-          <a:fillRef idx="1">
-            <a:schemeClr val="accent1"/>
-          </a:fillRef>
-          <a:effectRef idx="0">
-            <a:schemeClr val="accent1"/>
-          </a:effectRef>
-          <a:fontRef idx="minor">
-            <a:schemeClr val="lt1"/>
-          </a:fontRef>
-        </p:style>
-        <p:txBody>
-          <a:bodyPr rtlCol="0" anchor="ctr"/>
-          <a:lstStyle/>
-          <a:p>
-            <a:pPr algn="ctr"/>
-            <a:endParaRPr lang="en-US"/>
-          </a:p>
-        </p:txBody>
-      </p:sp>
-      <p:pic>
-        <p:nvPicPr>
-          <p:cNvPr id="5" name="Zástupný obsah 4">
-            <a:extLst>
-              <a:ext uri="{FF2B5EF4-FFF2-40B4-BE49-F238E27FC236}">
-                <a16:creationId xmlns:a16="http://schemas.microsoft.com/office/drawing/2014/main" id="{F1588FF1-F47A-869C-B131-199BFF535AE1}"/>
-              </a:ext>
-            </a:extLst>
-          </p:cNvPr>
-          <p:cNvPicPr>
-            <a:picLocks noChangeAspect="1"/>
-          </p:cNvPicPr>
-          <p:nvPr/>
-        </p:nvPicPr>
-        <p:blipFill>
-          <a:blip r:embed="rId2"/>
-          <a:stretch>
-            <a:fillRect/>
-          </a:stretch>
-        </p:blipFill>
-        <p:spPr>
-          <a:xfrm>
-            <a:off x="576244" y="1272408"/>
-            <a:ext cx="5628018" cy="4080313"/>
-          </a:xfrm>
-          <a:prstGeom prst="rect">
-            <a:avLst/>
-          </a:prstGeom>
-        </p:spPr>
-      </p:pic>
-      <p:sp>
-        <p:nvSpPr>
-          <p:cNvPr id="36" name="Rectangle 35">
-            <a:extLst>
-              <a:ext uri="{FF2B5EF4-FFF2-40B4-BE49-F238E27FC236}">
-                <a16:creationId xmlns:a16="http://schemas.microsoft.com/office/drawing/2014/main" id="{169CC832-2974-4E8D-90ED-3E2941BA7336}"/>
-              </a:ext>
-              <a:ext uri="{C183D7F6-B498-43B3-948B-1728B52AA6E4}">
-                <adec:decorative xmlns:adec="http://schemas.microsoft.com/office/drawing/2017/decorative" val="1"/>
-              </a:ext>
-            </a:extLst>
-          </p:cNvPr>
-          <p:cNvSpPr>
-            <a:spLocks noGrp="1" noRot="1" noChangeAspect="1" noMove="1" noResize="1" noEditPoints="1" noAdjustHandles="1" noChangeArrowheads="1" noChangeShapeType="1" noTextEdit="1"/>
-          </p:cNvSpPr>
-          <p:nvPr>
-            <p:extLst>
-              <p:ext uri="{386F3935-93C4-4BCD-93E2-E3B085C9AB24}">
-                <p16:designElem xmlns:p16="http://schemas.microsoft.com/office/powerpoint/2015/main" val="1"/>
-              </p:ext>
-            </p:extLst>
-          </p:nvPr>
-        </p:nvSpPr>
-        <p:spPr>
-          <a:xfrm flipH="1">
-            <a:off x="7277786" y="1944913"/>
-            <a:ext cx="4023360" cy="27432"/>
-          </a:xfrm>
-          <a:prstGeom prst="rect">
-            <a:avLst/>
-          </a:prstGeom>
-          <a:solidFill>
-            <a:schemeClr val="accent4"/>
-          </a:solidFill>
-          <a:ln>
-            <a:noFill/>
-          </a:ln>
-        </p:spPr>
-        <p:style>
-          <a:lnRef idx="2">
-            <a:schemeClr val="accent1">
-              <a:shade val="50000"/>
-            </a:schemeClr>
-          </a:lnRef>
-          <a:fillRef idx="1">
-            <a:schemeClr val="accent1"/>
-          </a:fillRef>
-          <a:effectRef idx="0">
-            <a:schemeClr val="accent1"/>
-          </a:effectRef>
-          <a:fontRef idx="minor">
-            <a:schemeClr val="lt1"/>
-          </a:fontRef>
-        </p:style>
-        <p:txBody>
-          <a:bodyPr rtlCol="0" anchor="ctr"/>
-          <a:lstStyle/>
-          <a:p>
-            <a:pPr algn="ctr"/>
-            <a:endParaRPr lang="en-US"/>
-          </a:p>
-        </p:txBody>
-      </p:sp>
-      <p:sp>
-        <p:nvSpPr>
-          <p:cNvPr id="27" name="Content Placeholder 26">
-            <a:extLst>
-              <a:ext uri="{FF2B5EF4-FFF2-40B4-BE49-F238E27FC236}">
-                <a16:creationId xmlns:a16="http://schemas.microsoft.com/office/drawing/2014/main" id="{119A69FD-8E01-A56F-ECDA-0080FDD296C4}"/>
-              </a:ext>
-            </a:extLst>
-          </p:cNvPr>
-          <p:cNvSpPr>
-            <a:spLocks noGrp="1"/>
-          </p:cNvSpPr>
-          <p:nvPr>
-            <p:ph idx="1"/>
-          </p:nvPr>
-        </p:nvSpPr>
-        <p:spPr>
-          <a:xfrm>
-            <a:off x="7239012" y="2031101"/>
-            <a:ext cx="4282984" cy="3511943"/>
-          </a:xfrm>
-        </p:spPr>
-        <p:txBody>
-          <a:bodyPr anchor="ctr">
-            <a:normAutofit/>
-          </a:bodyPr>
-          <a:lstStyle/>
-          <a:p>
-            <a:r>
-              <a:rPr lang="cs-CZ" sz="1800" dirty="0"/>
-              <a:t>Značky využívané v diagramech jsou standardizované</a:t>
-            </a:r>
-          </a:p>
-          <a:p>
-            <a:r>
-              <a:rPr lang="cs-CZ" sz="1800" dirty="0"/>
-              <a:t>Algoritmus lze přečíst nehledě na znalost programovacího jazyka</a:t>
-            </a:r>
-          </a:p>
-          <a:p>
-            <a:r>
-              <a:rPr lang="cs-CZ" sz="1800" dirty="0"/>
-              <a:t>Popis je univerzální </a:t>
-            </a:r>
-            <a:endParaRPr lang="en-US" sz="1800" dirty="0"/>
-          </a:p>
-        </p:txBody>
-      </p:sp>
-      <p:sp>
-        <p:nvSpPr>
-          <p:cNvPr id="4" name="Zástupný symbol pro číslo snímku 3">
-            <a:extLst>
-              <a:ext uri="{FF2B5EF4-FFF2-40B4-BE49-F238E27FC236}">
-                <a16:creationId xmlns:a16="http://schemas.microsoft.com/office/drawing/2014/main" id="{3CE1C585-EBCF-8717-C2DD-044A3C84E128}"/>
-              </a:ext>
-            </a:extLst>
-          </p:cNvPr>
-          <p:cNvSpPr>
-            <a:spLocks noGrp="1"/>
-          </p:cNvSpPr>
-          <p:nvPr>
-            <p:ph type="sldNum" sz="quarter" idx="12"/>
-          </p:nvPr>
-        </p:nvSpPr>
-        <p:spPr>
-          <a:xfrm>
-            <a:off x="8610600" y="6492240"/>
-            <a:ext cx="2743200" cy="365125"/>
-          </a:xfrm>
-        </p:spPr>
-        <p:txBody>
-          <a:bodyPr>
-            <a:normAutofit/>
-          </a:bodyPr>
-          <a:lstStyle/>
-          <a:p>
-            <a:pPr rtl="0">
-              <a:spcAft>
-                <a:spcPts val="600"/>
-              </a:spcAft>
-            </a:pPr>
-            <a:fld id="{34B7E4EF-A1BD-40F4-AB7B-04F084DD991D}" type="slidenum">
-              <a:rPr lang="en-US" smtClean="0"/>
-              <a:pPr rtl="0">
-                <a:spcAft>
-                  <a:spcPts val="600"/>
-                </a:spcAft>
-              </a:pPr>
-              <a:t>4</a:t>
-            </a:fld>
-            <a:endParaRPr lang="en-US"/>
-          </a:p>
-        </p:txBody>
-      </p:sp>
-      <p:sp>
-        <p:nvSpPr>
-          <p:cNvPr id="38" name="Rectangle 37">
-            <a:extLst>
-              <a:ext uri="{FF2B5EF4-FFF2-40B4-BE49-F238E27FC236}">
-                <a16:creationId xmlns:a16="http://schemas.microsoft.com/office/drawing/2014/main" id="{55222F96-971A-4F90-B841-6BAB416C7AC1}"/>
-              </a:ext>
-              <a:ext uri="{C183D7F6-B498-43B3-948B-1728B52AA6E4}">
-                <adec:decorative xmlns:adec="http://schemas.microsoft.com/office/drawing/2017/decorative" val="1"/>
-              </a:ext>
-            </a:extLst>
-          </p:cNvPr>
-          <p:cNvSpPr>
-            <a:spLocks noGrp="1" noRot="1" noChangeAspect="1" noMove="1" noResize="1" noEditPoints="1" noAdjustHandles="1" noChangeArrowheads="1" noChangeShapeType="1" noTextEdit="1"/>
-          </p:cNvSpPr>
-          <p:nvPr>
-            <p:extLst>
-              <p:ext uri="{386F3935-93C4-4BCD-93E2-E3B085C9AB24}">
-                <p16:designElem xmlns:p16="http://schemas.microsoft.com/office/powerpoint/2015/main" val="1"/>
-              </p:ext>
-            </p:extLst>
-          </p:nvPr>
-        </p:nvSpPr>
-        <p:spPr>
-          <a:xfrm rot="5400000">
-            <a:off x="11677179" y="6053360"/>
-            <a:ext cx="740664" cy="154124"/>
-          </a:xfrm>
-          <a:prstGeom prst="rect">
-            <a:avLst/>
-          </a:prstGeom>
-          <a:solidFill>
-            <a:schemeClr val="accent4"/>
-          </a:solidFill>
-          <a:ln>
-            <a:noFill/>
-          </a:ln>
-        </p:spPr>
-        <p:style>
-          <a:lnRef idx="2">
-            <a:schemeClr val="accent1">
-              <a:shade val="50000"/>
-            </a:schemeClr>
-          </a:lnRef>
-          <a:fillRef idx="1">
-            <a:schemeClr val="accent1"/>
-          </a:fillRef>
-          <a:effectRef idx="0">
-            <a:schemeClr val="accent1"/>
-          </a:effectRef>
-          <a:fontRef idx="minor">
-            <a:schemeClr val="lt1"/>
-          </a:fontRef>
-        </p:style>
-        <p:txBody>
-          <a:bodyPr rtlCol="0" anchor="ctr"/>
-          <a:lstStyle/>
-          <a:p>
-            <a:pPr algn="ctr"/>
-            <a:endParaRPr lang="en-US"/>
-          </a:p>
-        </p:txBody>
-      </p:sp>
-    </p:spTree>
-    <p:extLst>
-      <p:ext uri="{BB962C8B-B14F-4D97-AF65-F5344CB8AC3E}">
-        <p14:creationId xmlns:p14="http://schemas.microsoft.com/office/powerpoint/2010/main" val="2416691177"/>
-      </p:ext>
-    </p:extLst>
-  </p:cSld>
-  <p:clrMapOvr>
-    <a:masterClrMapping/>
-  </p:clrMapOvr>
-</p:sld>
-</file>
-
-<file path=ppt/slides/slide5.xml><?xml version="1.0" encoding="utf-8"?>
-<p:sld xmlns:a="http://schemas.openxmlformats.org/drawingml/2006/main" xmlns:r="http://schemas.openxmlformats.org/officeDocument/2006/relationships" xmlns:p="http://schemas.openxmlformats.org/presentationml/2006/main">
-  <p:cSld>
-    <p:bg>
-      <p:bgPr>
-        <a:solidFill>
-          <a:schemeClr val="bg1"/>
-        </a:solidFill>
-        <a:effectLst/>
-      </p:bgPr>
-    </p:bg>
-    <p:spTree>
-      <p:nvGrpSpPr>
-        <p:cNvPr id="1" name=""/>
-        <p:cNvGrpSpPr/>
-        <p:nvPr/>
-      </p:nvGrpSpPr>
-      <p:grpSpPr>
-        <a:xfrm>
-          <a:off x="0" y="0"/>
-          <a:ext cx="0" cy="0"/>
-          <a:chOff x="0" y="0"/>
-          <a:chExt cx="0" cy="0"/>
-        </a:xfrm>
-      </p:grpSpPr>
-      <p:sp useBgFill="1">
-        <p:nvSpPr>
-          <p:cNvPr id="20" name="Rectangle 19">
-            <a:extLst>
-              <a:ext uri="{FF2B5EF4-FFF2-40B4-BE49-F238E27FC236}">
-                <a16:creationId xmlns:a16="http://schemas.microsoft.com/office/drawing/2014/main" id="{DBC6133C-0615-4CE4-9132-37E609A9BDFA}"/>
-              </a:ext>
-              <a:ext uri="{C183D7F6-B498-43B3-948B-1728B52AA6E4}">
-                <adec:decorative xmlns:adec="http://schemas.microsoft.com/office/drawing/2017/decorative" val="1"/>
-              </a:ext>
-            </a:extLst>
-          </p:cNvPr>
-          <p:cNvSpPr>
-            <a:spLocks noGrp="1" noRot="1" noChangeAspect="1" noMove="1" noResize="1" noEditPoints="1" noAdjustHandles="1" noChangeArrowheads="1" noChangeShapeType="1" noTextEdit="1"/>
-          </p:cNvSpPr>
-          <p:nvPr>
-            <p:extLst>
-              <p:ext uri="{386F3935-93C4-4BCD-93E2-E3B085C9AB24}">
-                <p16:designElem xmlns:p16="http://schemas.microsoft.com/office/powerpoint/2015/main" val="1"/>
-              </p:ext>
-            </p:extLst>
-          </p:nvPr>
-        </p:nvSpPr>
-        <p:spPr>
-          <a:xfrm>
-            <a:off x="0" y="0"/>
-            <a:ext cx="12191999" cy="6857365"/>
-          </a:xfrm>
-          <a:prstGeom prst="rect">
-            <a:avLst/>
-          </a:prstGeom>
-          <a:ln>
-            <a:noFill/>
-          </a:ln>
-        </p:spPr>
-        <p:style>
-          <a:lnRef idx="2">
-            <a:schemeClr val="accent1">
-              <a:shade val="50000"/>
-            </a:schemeClr>
-          </a:lnRef>
-          <a:fillRef idx="1">
-            <a:schemeClr val="accent1"/>
-          </a:fillRef>
-          <a:effectRef idx="0">
-            <a:schemeClr val="accent1"/>
-          </a:effectRef>
-          <a:fontRef idx="minor">
-            <a:schemeClr val="lt1"/>
-          </a:fontRef>
-        </p:style>
-        <p:txBody>
-          <a:bodyPr rtlCol="0" anchor="ctr"/>
-          <a:lstStyle/>
-          <a:p>
-            <a:pPr algn="ctr"/>
-            <a:endParaRPr lang="en-US"/>
-          </a:p>
-        </p:txBody>
-      </p:sp>
-      <p:sp>
-        <p:nvSpPr>
-          <p:cNvPr id="2" name="Nadpis 1">
-            <a:extLst>
-              <a:ext uri="{FF2B5EF4-FFF2-40B4-BE49-F238E27FC236}">
-                <a16:creationId xmlns:a16="http://schemas.microsoft.com/office/drawing/2014/main" id="{73E8D889-4523-6F03-57B1-F7751135FE3B}"/>
-              </a:ext>
-            </a:extLst>
-          </p:cNvPr>
-          <p:cNvSpPr>
-            <a:spLocks noGrp="1"/>
-          </p:cNvSpPr>
-          <p:nvPr>
-            <p:ph type="title"/>
-          </p:nvPr>
-        </p:nvSpPr>
-        <p:spPr>
-          <a:xfrm>
-            <a:off x="645064" y="525982"/>
-            <a:ext cx="4282983" cy="1200361"/>
-          </a:xfrm>
-        </p:spPr>
-        <p:txBody>
-          <a:bodyPr anchor="b">
-            <a:normAutofit/>
-          </a:bodyPr>
-          <a:lstStyle/>
-          <a:p>
-            <a:r>
-              <a:rPr lang="cs-CZ" sz="3600"/>
-              <a:t>Ukázka vývojového diagramu</a:t>
-            </a:r>
-          </a:p>
-        </p:txBody>
-      </p:sp>
-      <p:sp>
-        <p:nvSpPr>
-          <p:cNvPr id="22" name="Rectangle 21">
-            <a:extLst>
-              <a:ext uri="{FF2B5EF4-FFF2-40B4-BE49-F238E27FC236}">
-                <a16:creationId xmlns:a16="http://schemas.microsoft.com/office/drawing/2014/main" id="{169CC832-2974-4E8D-90ED-3E2941BA7336}"/>
-              </a:ext>
-              <a:ext uri="{C183D7F6-B498-43B3-948B-1728B52AA6E4}">
-                <adec:decorative xmlns:adec="http://schemas.microsoft.com/office/drawing/2017/decorative" val="1"/>
-              </a:ext>
-            </a:extLst>
-          </p:cNvPr>
-          <p:cNvSpPr>
-            <a:spLocks noGrp="1" noRot="1" noChangeAspect="1" noMove="1" noResize="1" noEditPoints="1" noAdjustHandles="1" noChangeArrowheads="1" noChangeShapeType="1" noTextEdit="1"/>
-          </p:cNvSpPr>
-          <p:nvPr>
-            <p:extLst>
-              <p:ext uri="{386F3935-93C4-4BCD-93E2-E3B085C9AB24}">
-                <p16:designElem xmlns:p16="http://schemas.microsoft.com/office/powerpoint/2015/main" val="1"/>
-              </p:ext>
-            </p:extLst>
-          </p:nvPr>
-        </p:nvSpPr>
-        <p:spPr>
-          <a:xfrm flipH="1">
-            <a:off x="616533" y="1944913"/>
-            <a:ext cx="4023360" cy="27432"/>
-          </a:xfrm>
-          <a:prstGeom prst="rect">
-            <a:avLst/>
-          </a:prstGeom>
-          <a:solidFill>
-            <a:schemeClr val="accent4"/>
-          </a:solidFill>
-          <a:ln>
-            <a:noFill/>
-          </a:ln>
-        </p:spPr>
-        <p:style>
-          <a:lnRef idx="2">
-            <a:schemeClr val="accent1">
-              <a:shade val="50000"/>
-            </a:schemeClr>
-          </a:lnRef>
-          <a:fillRef idx="1">
-            <a:schemeClr val="accent1"/>
-          </a:fillRef>
-          <a:effectRef idx="0">
-            <a:schemeClr val="accent1"/>
-          </a:effectRef>
-          <a:fontRef idx="minor">
-            <a:schemeClr val="lt1"/>
-          </a:fontRef>
-        </p:style>
-        <p:txBody>
-          <a:bodyPr rtlCol="0" anchor="ctr"/>
-          <a:lstStyle/>
-          <a:p>
-            <a:pPr algn="ctr"/>
-            <a:endParaRPr lang="en-US"/>
-          </a:p>
-        </p:txBody>
-      </p:sp>
-      <p:sp>
-        <p:nvSpPr>
-          <p:cNvPr id="3" name="Zástupný obsah 2">
-            <a:extLst>
-              <a:ext uri="{FF2B5EF4-FFF2-40B4-BE49-F238E27FC236}">
-                <a16:creationId xmlns:a16="http://schemas.microsoft.com/office/drawing/2014/main" id="{68105931-E7B5-F5F9-2CAC-CBDDED2CF52E}"/>
-              </a:ext>
-            </a:extLst>
-          </p:cNvPr>
-          <p:cNvSpPr>
-            <a:spLocks noGrp="1"/>
-          </p:cNvSpPr>
-          <p:nvPr>
-            <p:ph idx="1"/>
-          </p:nvPr>
-        </p:nvSpPr>
-        <p:spPr>
-          <a:xfrm>
-            <a:off x="645066" y="2031101"/>
-            <a:ext cx="4282984" cy="3511943"/>
-          </a:xfrm>
-        </p:spPr>
-        <p:txBody>
-          <a:bodyPr anchor="ctr">
-            <a:normAutofit/>
-          </a:bodyPr>
-          <a:lstStyle/>
-          <a:p>
-            <a:r>
-              <a:rPr lang="cs-CZ" sz="1800" dirty="0"/>
-              <a:t>Máme elektrický obvod složený z jednoho zdroje a jedné žárovky</a:t>
-            </a:r>
-          </a:p>
-          <a:p>
-            <a:r>
-              <a:rPr lang="cs-CZ" sz="1800" dirty="0"/>
-              <a:t>Chceme, aby se žárovka rozsvítila</a:t>
-            </a:r>
-          </a:p>
-        </p:txBody>
-      </p:sp>
-      <p:sp>
-        <p:nvSpPr>
-          <p:cNvPr id="24" name="Rectangle 23">
-            <a:extLst>
-              <a:ext uri="{FF2B5EF4-FFF2-40B4-BE49-F238E27FC236}">
-                <a16:creationId xmlns:a16="http://schemas.microsoft.com/office/drawing/2014/main" id="{55222F96-971A-4F90-B841-6BAB416C7AC1}"/>
-              </a:ext>
-              <a:ext uri="{C183D7F6-B498-43B3-948B-1728B52AA6E4}">
-                <adec:decorative xmlns:adec="http://schemas.microsoft.com/office/drawing/2017/decorative" val="1"/>
-              </a:ext>
-            </a:extLst>
-          </p:cNvPr>
-          <p:cNvSpPr>
-            <a:spLocks noGrp="1" noRot="1" noChangeAspect="1" noMove="1" noResize="1" noEditPoints="1" noAdjustHandles="1" noChangeArrowheads="1" noChangeShapeType="1" noTextEdit="1"/>
-          </p:cNvSpPr>
-          <p:nvPr>
-            <p:extLst>
-              <p:ext uri="{386F3935-93C4-4BCD-93E2-E3B085C9AB24}">
-                <p16:designElem xmlns:p16="http://schemas.microsoft.com/office/powerpoint/2015/main" val="1"/>
-              </p:ext>
-            </p:extLst>
-          </p:nvPr>
-        </p:nvSpPr>
-        <p:spPr>
-          <a:xfrm rot="5400000">
-            <a:off x="-225843" y="6053360"/>
-            <a:ext cx="740664" cy="154124"/>
-          </a:xfrm>
-          <a:prstGeom prst="rect">
-            <a:avLst/>
-          </a:prstGeom>
-          <a:solidFill>
-            <a:schemeClr val="accent4"/>
-          </a:solidFill>
-          <a:ln>
-            <a:noFill/>
-          </a:ln>
-        </p:spPr>
-        <p:style>
-          <a:lnRef idx="2">
-            <a:schemeClr val="accent1">
-              <a:shade val="50000"/>
-            </a:schemeClr>
-          </a:lnRef>
-          <a:fillRef idx="1">
-            <a:schemeClr val="accent1"/>
-          </a:fillRef>
-          <a:effectRef idx="0">
-            <a:schemeClr val="accent1"/>
-          </a:effectRef>
-          <a:fontRef idx="minor">
-            <a:schemeClr val="lt1"/>
-          </a:fontRef>
-        </p:style>
-        <p:txBody>
-          <a:bodyPr rtlCol="0" anchor="ctr"/>
-          <a:lstStyle/>
-          <a:p>
-            <a:pPr algn="ctr"/>
-            <a:endParaRPr lang="en-US"/>
-          </a:p>
-        </p:txBody>
-      </p:sp>
-      <p:sp>
-        <p:nvSpPr>
-          <p:cNvPr id="26" name="Rectangle 25">
-            <a:extLst>
-              <a:ext uri="{FF2B5EF4-FFF2-40B4-BE49-F238E27FC236}">
-                <a16:creationId xmlns:a16="http://schemas.microsoft.com/office/drawing/2014/main" id="{08980754-6F4B-43C9-B9BE-127B6BED6586}"/>
-              </a:ext>
-              <a:ext uri="{C183D7F6-B498-43B3-948B-1728B52AA6E4}">
-                <adec:decorative xmlns:adec="http://schemas.microsoft.com/office/drawing/2017/decorative" val="1"/>
-              </a:ext>
-            </a:extLst>
-          </p:cNvPr>
-          <p:cNvSpPr>
-            <a:spLocks noGrp="1" noRot="1" noChangeAspect="1" noMove="1" noResize="1" noEditPoints="1" noAdjustHandles="1" noChangeArrowheads="1" noChangeShapeType="1" noTextEdit="1"/>
-          </p:cNvSpPr>
-          <p:nvPr>
-            <p:extLst>
-              <p:ext uri="{386F3935-93C4-4BCD-93E2-E3B085C9AB24}">
-                <p16:designElem xmlns:p16="http://schemas.microsoft.com/office/powerpoint/2015/main" val="1"/>
-              </p:ext>
-            </p:extLst>
-          </p:nvPr>
-        </p:nvSpPr>
-        <p:spPr>
-          <a:xfrm rot="5400000">
-            <a:off x="5904923" y="215201"/>
-            <a:ext cx="740664" cy="11833491"/>
-          </a:xfrm>
-          <a:prstGeom prst="rect">
-            <a:avLst/>
-          </a:prstGeom>
-          <a:solidFill>
-            <a:schemeClr val="accent4"/>
-          </a:solidFill>
-          <a:ln>
-            <a:noFill/>
-          </a:ln>
-        </p:spPr>
-        <p:style>
-          <a:lnRef idx="2">
-            <a:schemeClr val="accent1">
-              <a:shade val="50000"/>
-            </a:schemeClr>
-          </a:lnRef>
-          <a:fillRef idx="1">
-            <a:schemeClr val="accent1"/>
-          </a:fillRef>
-          <a:effectRef idx="0">
-            <a:schemeClr val="accent1"/>
-          </a:effectRef>
-          <a:fontRef idx="minor">
-            <a:schemeClr val="lt1"/>
-          </a:fontRef>
-        </p:style>
-        <p:txBody>
-          <a:bodyPr rtlCol="0" anchor="ctr"/>
-          <a:lstStyle/>
-          <a:p>
-            <a:pPr algn="ctr"/>
-            <a:endParaRPr lang="en-US"/>
-          </a:p>
-        </p:txBody>
-      </p:sp>
-      <p:sp>
-        <p:nvSpPr>
-          <p:cNvPr id="28" name="Rectangle 27">
-            <a:extLst>
-              <a:ext uri="{FF2B5EF4-FFF2-40B4-BE49-F238E27FC236}">
-                <a16:creationId xmlns:a16="http://schemas.microsoft.com/office/drawing/2014/main" id="{2C1BBA94-3F40-40AA-8BB9-E69E25E537C1}"/>
-              </a:ext>
-              <a:ext uri="{C183D7F6-B498-43B3-948B-1728B52AA6E4}">
-                <adec:decorative xmlns:adec="http://schemas.microsoft.com/office/drawing/2017/decorative" val="1"/>
-              </a:ext>
-            </a:extLst>
-          </p:cNvPr>
-          <p:cNvSpPr>
-            <a:spLocks noGrp="1" noRot="1" noChangeAspect="1" noMove="1" noResize="1" noEditPoints="1" noAdjustHandles="1" noChangeArrowheads="1" noChangeShapeType="1" noTextEdit="1"/>
-          </p:cNvSpPr>
-          <p:nvPr>
-            <p:extLst>
-              <p:ext uri="{386F3935-93C4-4BCD-93E2-E3B085C9AB24}">
-                <p16:designElem xmlns:p16="http://schemas.microsoft.com/office/powerpoint/2015/main" val="1"/>
-              </p:ext>
-            </p:extLst>
-          </p:nvPr>
-        </p:nvSpPr>
-        <p:spPr>
-          <a:xfrm>
-            <a:off x="5696793" y="354959"/>
-            <a:ext cx="6184973" cy="5915212"/>
-          </a:xfrm>
-          <a:prstGeom prst="rect">
-            <a:avLst/>
-          </a:prstGeom>
-          <a:solidFill>
-            <a:schemeClr val="bg1"/>
-          </a:solidFill>
-          <a:ln>
-            <a:noFill/>
-          </a:ln>
-          <a:effectLst>
-            <a:outerShdw blurRad="139700" dist="127000" dir="5400000" algn="t" rotWithShape="0">
-              <a:prstClr val="black">
-                <a:alpha val="15000"/>
-              </a:prstClr>
-            </a:outerShdw>
-          </a:effectLst>
-        </p:spPr>
-        <p:style>
-          <a:lnRef idx="2">
-            <a:schemeClr val="accent1">
-              <a:shade val="50000"/>
-            </a:schemeClr>
-          </a:lnRef>
-          <a:fillRef idx="1">
-            <a:schemeClr val="accent1"/>
-          </a:fillRef>
-          <a:effectRef idx="0">
-            <a:schemeClr val="accent1"/>
-          </a:effectRef>
-          <a:fontRef idx="minor">
-            <a:schemeClr val="lt1"/>
-          </a:fontRef>
-        </p:style>
-        <p:txBody>
-          <a:bodyPr rtlCol="0" anchor="ctr"/>
-          <a:lstStyle/>
-          <a:p>
-            <a:pPr algn="ctr"/>
-            <a:endParaRPr lang="en-US"/>
-          </a:p>
-        </p:txBody>
-      </p:sp>
-      <p:pic>
-        <p:nvPicPr>
-          <p:cNvPr id="8" name="Zástupný obsah 4">
-            <a:extLst>
-              <a:ext uri="{FF2B5EF4-FFF2-40B4-BE49-F238E27FC236}">
-                <a16:creationId xmlns:a16="http://schemas.microsoft.com/office/drawing/2014/main" id="{1246C037-55EA-F31C-4B3E-65674241114A}"/>
-              </a:ext>
-            </a:extLst>
-          </p:cNvPr>
-          <p:cNvPicPr>
-            <a:picLocks noChangeAspect="1"/>
-          </p:cNvPicPr>
-          <p:nvPr/>
-        </p:nvPicPr>
-        <p:blipFill>
-          <a:blip r:embed="rId2"/>
-          <a:stretch>
-            <a:fillRect/>
-          </a:stretch>
-        </p:blipFill>
-        <p:spPr>
-          <a:xfrm>
-            <a:off x="6064399" y="650494"/>
-            <a:ext cx="5474696" cy="5324142"/>
-          </a:xfrm>
-          <a:prstGeom prst="rect">
-            <a:avLst/>
-          </a:prstGeom>
-        </p:spPr>
-      </p:pic>
-      <p:sp>
-        <p:nvSpPr>
-          <p:cNvPr id="4" name="Zástupný symbol pro číslo snímku 3">
-            <a:extLst>
-              <a:ext uri="{FF2B5EF4-FFF2-40B4-BE49-F238E27FC236}">
-                <a16:creationId xmlns:a16="http://schemas.microsoft.com/office/drawing/2014/main" id="{754BE593-8E5A-91A1-B70B-CB7DFE8E16F8}"/>
-              </a:ext>
-            </a:extLst>
-          </p:cNvPr>
-          <p:cNvSpPr>
-            <a:spLocks noGrp="1"/>
-          </p:cNvSpPr>
-          <p:nvPr>
-            <p:ph type="sldNum" sz="quarter" idx="12"/>
-          </p:nvPr>
-        </p:nvSpPr>
-        <p:spPr>
-          <a:xfrm>
-            <a:off x="8610600" y="6492240"/>
-            <a:ext cx="2743200" cy="365125"/>
-          </a:xfrm>
-        </p:spPr>
-        <p:txBody>
-          <a:bodyPr>
-            <a:normAutofit/>
-          </a:bodyPr>
-          <a:lstStyle/>
-          <a:p>
-            <a:pPr rtl="0">
-              <a:spcAft>
-                <a:spcPts val="600"/>
-              </a:spcAft>
-            </a:pPr>
-            <a:fld id="{34B7E4EF-A1BD-40F4-AB7B-04F084DD991D}" type="slidenum">
-              <a:rPr lang="en-US" smtClean="0"/>
-              <a:pPr rtl="0">
-                <a:spcAft>
-                  <a:spcPts val="600"/>
-                </a:spcAft>
-              </a:pPr>
-              <a:t>5</a:t>
-            </a:fld>
-            <a:endParaRPr lang="en-US"/>
-          </a:p>
-        </p:txBody>
-      </p:sp>
-    </p:spTree>
-    <p:extLst>
-      <p:ext uri="{BB962C8B-B14F-4D97-AF65-F5344CB8AC3E}">
-        <p14:creationId xmlns:p14="http://schemas.microsoft.com/office/powerpoint/2010/main" val="1214063424"/>
-      </p:ext>
-    </p:extLst>
-  </p:cSld>
-  <p:clrMapOvr>
-    <a:masterClrMapping/>
-  </p:clrMapOvr>
-</p:sld>
-</file>
-
-<file path=ppt/slides/slide6.xml><?xml version="1.0" encoding="utf-8"?>
-<p:sld xmlns:a="http://schemas.openxmlformats.org/drawingml/2006/main" xmlns:r="http://schemas.openxmlformats.org/officeDocument/2006/relationships" xmlns:p="http://schemas.openxmlformats.org/presentationml/2006/main">
-  <p:cSld>
-    <p:bg>
-      <p:bgPr>
-        <a:solidFill>
-          <a:schemeClr val="bg1"/>
-        </a:solidFill>
-        <a:effectLst/>
-      </p:bgPr>
-    </p:bg>
-    <p:spTree>
-      <p:nvGrpSpPr>
-        <p:cNvPr id="1" name=""/>
-        <p:cNvGrpSpPr/>
-        <p:nvPr/>
-      </p:nvGrpSpPr>
-      <p:grpSpPr>
-        <a:xfrm>
-          <a:off x="0" y="0"/>
-          <a:ext cx="0" cy="0"/>
-          <a:chOff x="0" y="0"/>
-          <a:chExt cx="0" cy="0"/>
-        </a:xfrm>
-      </p:grpSpPr>
-      <p:sp useBgFill="1">
-        <p:nvSpPr>
-          <p:cNvPr id="20" name="Rectangle 8">
-            <a:extLst>
-              <a:ext uri="{FF2B5EF4-FFF2-40B4-BE49-F238E27FC236}">
-                <a16:creationId xmlns:a16="http://schemas.microsoft.com/office/drawing/2014/main" id="{DBF61EA3-B236-439E-9C0B-340980D56BEE}"/>
-              </a:ext>
-              <a:ext uri="{C183D7F6-B498-43B3-948B-1728B52AA6E4}">
-                <adec:decorative xmlns:adec="http://schemas.microsoft.com/office/drawing/2017/decorative" val="1"/>
-              </a:ext>
-            </a:extLst>
-          </p:cNvPr>
-          <p:cNvSpPr>
-            <a:spLocks noGrp="1" noRot="1" noChangeAspect="1" noMove="1" noResize="1" noEditPoints="1" noAdjustHandles="1" noChangeArrowheads="1" noChangeShapeType="1" noTextEdit="1"/>
-          </p:cNvSpPr>
-          <p:nvPr>
-            <p:extLst>
-              <p:ext uri="{386F3935-93C4-4BCD-93E2-E3B085C9AB24}">
-                <p16:designElem xmlns:p16="http://schemas.microsoft.com/office/powerpoint/2015/main" val="1"/>
-              </p:ext>
-            </p:extLst>
-          </p:nvPr>
-        </p:nvSpPr>
-        <p:spPr>
-          <a:xfrm>
-            <a:off x="0" y="0"/>
-            <a:ext cx="12191999" cy="6857365"/>
-          </a:xfrm>
-          <a:prstGeom prst="rect">
-            <a:avLst/>
-          </a:prstGeom>
-          <a:ln>
-            <a:noFill/>
-          </a:ln>
-        </p:spPr>
-        <p:style>
-          <a:lnRef idx="2">
-            <a:schemeClr val="accent1">
-              <a:shade val="50000"/>
-            </a:schemeClr>
-          </a:lnRef>
-          <a:fillRef idx="1">
-            <a:schemeClr val="accent1"/>
-          </a:fillRef>
-          <a:effectRef idx="0">
-            <a:schemeClr val="accent1"/>
-          </a:effectRef>
-          <a:fontRef idx="minor">
-            <a:schemeClr val="lt1"/>
-          </a:fontRef>
-        </p:style>
-        <p:txBody>
-          <a:bodyPr rtlCol="0" anchor="ctr"/>
-          <a:lstStyle/>
-          <a:p>
-            <a:pPr algn="ctr"/>
-            <a:endParaRPr lang="en-US"/>
-          </a:p>
-        </p:txBody>
-      </p:sp>
-      <p:sp>
-        <p:nvSpPr>
-          <p:cNvPr id="2" name="Nadpis 1">
-            <a:extLst>
-              <a:ext uri="{FF2B5EF4-FFF2-40B4-BE49-F238E27FC236}">
-                <a16:creationId xmlns:a16="http://schemas.microsoft.com/office/drawing/2014/main" id="{5B48777E-3CF5-7678-00C9-6DF828D31DFB}"/>
-              </a:ext>
-            </a:extLst>
-          </p:cNvPr>
-          <p:cNvSpPr>
-            <a:spLocks noGrp="1"/>
-          </p:cNvSpPr>
-          <p:nvPr>
-            <p:ph type="title"/>
-          </p:nvPr>
-        </p:nvSpPr>
-        <p:spPr>
-          <a:xfrm>
             <a:off x="808638" y="386930"/>
             <a:ext cx="9236700" cy="1188950"/>
           </a:xfrm>
@@ -10762,7 +10718,7 @@
           <a:p>
             <a:r>
               <a:rPr lang="cs-CZ" sz="5400" dirty="0"/>
-              <a:t>Sekvenční vývojový diagram</a:t>
+              <a:t>Rozhodovací blok</a:t>
             </a:r>
           </a:p>
         </p:txBody>
@@ -11020,38 +10976,46 @@
           <a:lstStyle/>
           <a:p>
             <a:r>
-              <a:rPr lang="cs-CZ" sz="2000" dirty="0"/>
-              <a:t>Diagram obsahující POUZE příkazy následující za sebou</a:t>
-            </a:r>
-          </a:p>
-          <a:p>
-            <a:r>
-              <a:rPr lang="cs-CZ" sz="2000" dirty="0"/>
-              <a:t>Neobsahuje žádné větvení ani cykly</a:t>
-            </a:r>
-          </a:p>
-          <a:p>
-            <a:r>
-              <a:rPr lang="cs-CZ" sz="2000" dirty="0"/>
-              <a:t>Elementární podoba diagramu</a:t>
-            </a:r>
-          </a:p>
-          <a:p>
-            <a:r>
-              <a:rPr lang="cs-CZ" sz="2000" dirty="0"/>
-              <a:t>Stále platí ostatní náležitosti VD</a:t>
-            </a:r>
-          </a:p>
-          <a:p>
-            <a:r>
-              <a:rPr lang="cs-CZ" sz="2000" dirty="0"/>
-              <a:t>Příklad – připravení </a:t>
-            </a:r>
-            <a:r>
-              <a:rPr lang="cs-CZ" sz="2000"/>
-              <a:t>instantní polévky</a:t>
-            </a:r>
-            <a:endParaRPr lang="cs-CZ" sz="2000" dirty="0"/>
+              <a:rPr lang="cs-CZ" dirty="0"/>
+              <a:t>Rozhodovací blok/podmínka</a:t>
+            </a:r>
+          </a:p>
+          <a:p>
+            <a:r>
+              <a:rPr lang="cs-CZ" dirty="0"/>
+              <a:t>Podmínka je umístěna uvnitř symbolu</a:t>
+            </a:r>
+          </a:p>
+          <a:p>
+            <a:r>
+              <a:rPr lang="cs-CZ" dirty="0"/>
+              <a:t>Vyhodnocení podmínky se redukuje na možnosti pravda nebo nepravda</a:t>
+            </a:r>
+          </a:p>
+          <a:p>
+            <a:pPr lvl="1"/>
+            <a:r>
+              <a:rPr lang="cs-CZ" dirty="0" err="1"/>
+              <a:t>True</a:t>
+            </a:r>
+            <a:r>
+              <a:rPr lang="cs-CZ" dirty="0"/>
+              <a:t>/</a:t>
+            </a:r>
+            <a:r>
+              <a:rPr lang="cs-CZ" dirty="0" err="1"/>
+              <a:t>False</a:t>
+            </a:r>
+            <a:r>
+              <a:rPr lang="cs-CZ" dirty="0"/>
+              <a:t> </a:t>
+            </a:r>
+          </a:p>
+          <a:p>
+            <a:r>
+              <a:rPr lang="cs-CZ" dirty="0"/>
+              <a:t>V  závislosti zda, je podmínka splněna či ne se dále postupuje v algoritmu</a:t>
+            </a:r>
           </a:p>
         </p:txBody>
       </p:sp>
@@ -11095,16 +11059,46 @@
                   <a:spcPts val="600"/>
                 </a:spcAft>
               </a:pPr>
-              <a:t>6</a:t>
+              <a:t>7</a:t>
             </a:fld>
             <a:endParaRPr lang="en-US"/>
           </a:p>
         </p:txBody>
       </p:sp>
+      <p:pic>
+        <p:nvPicPr>
+          <p:cNvPr id="10" name="Obrázek 9">
+            <a:extLst>
+              <a:ext uri="{FF2B5EF4-FFF2-40B4-BE49-F238E27FC236}">
+                <a16:creationId xmlns:a16="http://schemas.microsoft.com/office/drawing/2014/main" id="{853A8878-6574-4630-8A55-071710298DCE}"/>
+              </a:ext>
+            </a:extLst>
+          </p:cNvPr>
+          <p:cNvPicPr>
+            <a:picLocks noChangeAspect="1"/>
+          </p:cNvPicPr>
+          <p:nvPr/>
+        </p:nvPicPr>
+        <p:blipFill>
+          <a:blip r:embed="rId2"/>
+          <a:stretch>
+            <a:fillRect/>
+          </a:stretch>
+        </p:blipFill>
+        <p:spPr>
+          <a:xfrm>
+            <a:off x="7615891" y="721893"/>
+            <a:ext cx="2747309" cy="2338135"/>
+          </a:xfrm>
+          <a:prstGeom prst="rect">
+            <a:avLst/>
+          </a:prstGeom>
+        </p:spPr>
+      </p:pic>
     </p:spTree>
     <p:extLst>
       <p:ext uri="{BB962C8B-B14F-4D97-AF65-F5344CB8AC3E}">
-        <p14:creationId xmlns:p14="http://schemas.microsoft.com/office/powerpoint/2010/main" val="4242204828"/>
+        <p14:creationId xmlns:p14="http://schemas.microsoft.com/office/powerpoint/2010/main" val="4157940530"/>
       </p:ext>
     </p:extLst>
   </p:cSld>
@@ -11114,7 +11108,7 @@
 </p:sld>
 </file>
 
-<file path=ppt/slides/slide7.xml><?xml version="1.0" encoding="utf-8"?>
+<file path=ppt/slides/slide8.xml><?xml version="1.0" encoding="utf-8"?>
 <p:sld xmlns:a="http://schemas.openxmlformats.org/drawingml/2006/main" xmlns:r="http://schemas.openxmlformats.org/officeDocument/2006/relationships" xmlns:p="http://schemas.openxmlformats.org/presentationml/2006/main">
   <p:cSld>
     <p:bg>
@@ -11229,7 +11223,7 @@
           <a:p>
             <a:r>
               <a:rPr lang="cs-CZ" sz="5400" dirty="0"/>
-              <a:t>Rozhodovací blok</a:t>
+              <a:t>Cykly</a:t>
             </a:r>
           </a:p>
         </p:txBody>
@@ -11488,44 +11482,41 @@
           <a:p>
             <a:r>
               <a:rPr lang="cs-CZ" dirty="0"/>
-              <a:t>Rozhodovací blok/podmínka</a:t>
-            </a:r>
-          </a:p>
-          <a:p>
+              <a:t>Cykly s neznámým počtem opakování</a:t>
+            </a:r>
+          </a:p>
+          <a:p>
+            <a:pPr lvl="1"/>
             <a:r>
               <a:rPr lang="cs-CZ" dirty="0"/>
-              <a:t>Podmínka je umístěna uvnitř symbolu</a:t>
-            </a:r>
-          </a:p>
-          <a:p>
+              <a:t>Cyklus se opakuje pokud je podmínka splněna</a:t>
+            </a:r>
+          </a:p>
+          <a:p>
+            <a:pPr lvl="1"/>
             <a:r>
               <a:rPr lang="cs-CZ" dirty="0"/>
-              <a:t>Vyhodnocení podmínky se redukuje na možnosti pravda nebo nepravda</a:t>
+              <a:t>Podmínku hlídáme na konci případně na začátku cyklu</a:t>
+            </a:r>
+          </a:p>
+          <a:p>
+            <a:r>
+              <a:rPr lang="cs-CZ" dirty="0"/>
+              <a:t>Cyklus s pevným počtem opakování</a:t>
             </a:r>
           </a:p>
           <a:p>
             <a:pPr lvl="1"/>
             <a:r>
-              <a:rPr lang="cs-CZ" dirty="0" err="1"/>
-              <a:t>True</a:t>
-            </a:r>
-            <a:r>
               <a:rPr lang="cs-CZ" dirty="0"/>
-              <a:t>/</a:t>
-            </a:r>
-            <a:r>
-              <a:rPr lang="cs-CZ" dirty="0" err="1"/>
-              <a:t>False</a:t>
-            </a:r>
+              <a:t>Počet opakování je hlídaný pomocí proměnné, která je po každém provedení cyklu změněna</a:t>
+            </a:r>
+          </a:p>
+          <a:p>
+            <a:pPr lvl="1"/>
             <a:r>
               <a:rPr lang="cs-CZ" dirty="0"/>
-              <a:t> </a:t>
-            </a:r>
-          </a:p>
-          <a:p>
-            <a:r>
-              <a:rPr lang="cs-CZ" dirty="0"/>
-              <a:t>V  závislosti zda, je podmínka splněna či ne se dále postupuje v algoritmu</a:t>
+              <a:t>Typicky hodnotu zvyšujeme/snižujeme o 1</a:t>
             </a:r>
           </a:p>
         </p:txBody>
@@ -11570,7 +11561,7 @@
                   <a:spcPts val="600"/>
                 </a:spcAft>
               </a:pPr>
-              <a:t>7</a:t>
+              <a:t>8</a:t>
             </a:fld>
             <a:endParaRPr lang="en-US"/>
           </a:p>
@@ -11578,10 +11569,10 @@
       </p:sp>
       <p:pic>
         <p:nvPicPr>
-          <p:cNvPr id="10" name="Obrázek 9">
-            <a:extLst>
-              <a:ext uri="{FF2B5EF4-FFF2-40B4-BE49-F238E27FC236}">
-                <a16:creationId xmlns:a16="http://schemas.microsoft.com/office/drawing/2014/main" id="{853A8878-6574-4630-8A55-071710298DCE}"/>
+          <p:cNvPr id="11" name="Obrázek 10">
+            <a:extLst>
+              <a:ext uri="{FF2B5EF4-FFF2-40B4-BE49-F238E27FC236}">
+                <a16:creationId xmlns:a16="http://schemas.microsoft.com/office/drawing/2014/main" id="{C4D41E9F-C911-4F75-8915-A82D90CF3077}"/>
               </a:ext>
             </a:extLst>
           </p:cNvPr>
@@ -11598,8 +11589,38 @@
         </p:blipFill>
         <p:spPr>
           <a:xfrm>
-            <a:off x="7615891" y="721893"/>
-            <a:ext cx="2747309" cy="2338135"/>
+            <a:off x="8109986" y="1267177"/>
+            <a:ext cx="2729012" cy="1462382"/>
+          </a:xfrm>
+          <a:prstGeom prst="rect">
+            <a:avLst/>
+          </a:prstGeom>
+        </p:spPr>
+      </p:pic>
+      <p:pic>
+        <p:nvPicPr>
+          <p:cNvPr id="12" name="Obrázek 11">
+            <a:extLst>
+              <a:ext uri="{FF2B5EF4-FFF2-40B4-BE49-F238E27FC236}">
+                <a16:creationId xmlns:a16="http://schemas.microsoft.com/office/drawing/2014/main" id="{4518250C-57F7-4FEA-8CF3-77C456A01D13}"/>
+              </a:ext>
+            </a:extLst>
+          </p:cNvPr>
+          <p:cNvPicPr>
+            <a:picLocks noChangeAspect="1"/>
+          </p:cNvPicPr>
+          <p:nvPr/>
+        </p:nvPicPr>
+        <p:blipFill>
+          <a:blip r:embed="rId3"/>
+          <a:stretch>
+            <a:fillRect/>
+          </a:stretch>
+        </p:blipFill>
+        <p:spPr>
+          <a:xfrm>
+            <a:off x="5023708" y="1422082"/>
+            <a:ext cx="2640244" cy="1327497"/>
           </a:xfrm>
           <a:prstGeom prst="rect">
             <a:avLst/>
@@ -11609,7 +11630,7 @@
     </p:spTree>
     <p:extLst>
       <p:ext uri="{BB962C8B-B14F-4D97-AF65-F5344CB8AC3E}">
-        <p14:creationId xmlns:p14="http://schemas.microsoft.com/office/powerpoint/2010/main" val="230318648"/>
+        <p14:creationId xmlns:p14="http://schemas.microsoft.com/office/powerpoint/2010/main" val="2413363494"/>
       </p:ext>
     </p:extLst>
   </p:cSld>
@@ -11619,7 +11640,7 @@
 </p:sld>
 </file>
 
-<file path=ppt/slides/slide8.xml><?xml version="1.0" encoding="utf-8"?>
+<file path=ppt/slides/slide9.xml><?xml version="1.0" encoding="utf-8"?>
 <p:sld xmlns:a="http://schemas.openxmlformats.org/drawingml/2006/main" xmlns:r="http://schemas.openxmlformats.org/officeDocument/2006/relationships" xmlns:p="http://schemas.openxmlformats.org/presentationml/2006/main">
   <p:cSld>
     <p:bg>
@@ -11734,7 +11755,7 @@
           <a:p>
             <a:r>
               <a:rPr lang="cs-CZ" sz="5400" dirty="0"/>
-              <a:t>Rozhodovací blok</a:t>
+              <a:t>Vstup/Výstup, blok instrukcí</a:t>
             </a:r>
           </a:p>
         </p:txBody>
@@ -11993,546 +12014,19 @@
           <a:p>
             <a:r>
               <a:rPr lang="cs-CZ" dirty="0"/>
-              <a:t>Rozhodovací blok/podmínka</a:t>
+              <a:t>Pro vstupně/výstupní příkazy využíváme v popisu slovesa v rozkazovacím tvaru.</a:t>
             </a:r>
           </a:p>
           <a:p>
             <a:r>
               <a:rPr lang="cs-CZ" dirty="0"/>
-              <a:t>Podmínka je umístěna uvnitř symbolu</a:t>
+              <a:t>Spolu s tím uvádíme výčet proměnných, které chceme načíst nebo vypsat</a:t>
             </a:r>
           </a:p>
           <a:p>
             <a:r>
               <a:rPr lang="cs-CZ" dirty="0"/>
-              <a:t>Vyhodnocení podmínky se redukuje na možnosti pravda nebo nepravda</a:t>
-            </a:r>
-          </a:p>
-          <a:p>
-            <a:pPr lvl="1"/>
-            <a:r>
-              <a:rPr lang="cs-CZ" dirty="0" err="1"/>
-              <a:t>True</a:t>
-            </a:r>
-            <a:r>
-              <a:rPr lang="cs-CZ" dirty="0"/>
-              <a:t>/</a:t>
-            </a:r>
-            <a:r>
-              <a:rPr lang="cs-CZ" dirty="0" err="1"/>
-              <a:t>False</a:t>
-            </a:r>
-            <a:r>
-              <a:rPr lang="cs-CZ" dirty="0"/>
-              <a:t> </a:t>
-            </a:r>
-          </a:p>
-          <a:p>
-            <a:r>
-              <a:rPr lang="cs-CZ" dirty="0"/>
-              <a:t>V  závislosti zda, je podmínka splněna či ne se dále postupuje v algoritmu</a:t>
-            </a:r>
-          </a:p>
-        </p:txBody>
-      </p:sp>
-      <p:sp>
-        <p:nvSpPr>
-          <p:cNvPr id="4" name="Zástupný symbol pro číslo snímku 3">
-            <a:extLst>
-              <a:ext uri="{FF2B5EF4-FFF2-40B4-BE49-F238E27FC236}">
-                <a16:creationId xmlns:a16="http://schemas.microsoft.com/office/drawing/2014/main" id="{3CE1C585-EBCF-8717-C2DD-044A3C84E128}"/>
-              </a:ext>
-            </a:extLst>
-          </p:cNvPr>
-          <p:cNvSpPr>
-            <a:spLocks noGrp="1"/>
-          </p:cNvSpPr>
-          <p:nvPr>
-            <p:ph type="sldNum" sz="quarter" idx="12"/>
-          </p:nvPr>
-        </p:nvSpPr>
-        <p:spPr>
-          <a:xfrm>
-            <a:off x="8610600" y="6492240"/>
-            <a:ext cx="2743200" cy="365125"/>
-          </a:xfrm>
-        </p:spPr>
-        <p:txBody>
-          <a:bodyPr>
-            <a:normAutofit/>
-          </a:bodyPr>
-          <a:lstStyle/>
-          <a:p>
-            <a:pPr rtl="0">
-              <a:spcAft>
-                <a:spcPts val="600"/>
-              </a:spcAft>
-            </a:pPr>
-            <a:fld id="{34B7E4EF-A1BD-40F4-AB7B-04F084DD991D}" type="slidenum">
-              <a:rPr lang="en-US" smtClean="0"/>
-              <a:pPr rtl="0">
-                <a:spcAft>
-                  <a:spcPts val="600"/>
-                </a:spcAft>
-              </a:pPr>
-              <a:t>8</a:t>
-            </a:fld>
-            <a:endParaRPr lang="en-US"/>
-          </a:p>
-        </p:txBody>
-      </p:sp>
-      <p:pic>
-        <p:nvPicPr>
-          <p:cNvPr id="10" name="Obrázek 9">
-            <a:extLst>
-              <a:ext uri="{FF2B5EF4-FFF2-40B4-BE49-F238E27FC236}">
-                <a16:creationId xmlns:a16="http://schemas.microsoft.com/office/drawing/2014/main" id="{853A8878-6574-4630-8A55-071710298DCE}"/>
-              </a:ext>
-            </a:extLst>
-          </p:cNvPr>
-          <p:cNvPicPr>
-            <a:picLocks noChangeAspect="1"/>
-          </p:cNvPicPr>
-          <p:nvPr/>
-        </p:nvPicPr>
-        <p:blipFill>
-          <a:blip r:embed="rId2"/>
-          <a:stretch>
-            <a:fillRect/>
-          </a:stretch>
-        </p:blipFill>
-        <p:spPr>
-          <a:xfrm>
-            <a:off x="7615891" y="721893"/>
-            <a:ext cx="2747309" cy="2338135"/>
-          </a:xfrm>
-          <a:prstGeom prst="rect">
-            <a:avLst/>
-          </a:prstGeom>
-        </p:spPr>
-      </p:pic>
-    </p:spTree>
-    <p:extLst>
-      <p:ext uri="{BB962C8B-B14F-4D97-AF65-F5344CB8AC3E}">
-        <p14:creationId xmlns:p14="http://schemas.microsoft.com/office/powerpoint/2010/main" val="4157940530"/>
-      </p:ext>
-    </p:extLst>
-  </p:cSld>
-  <p:clrMapOvr>
-    <a:masterClrMapping/>
-  </p:clrMapOvr>
-</p:sld>
-</file>
-
-<file path=ppt/slides/slide9.xml><?xml version="1.0" encoding="utf-8"?>
-<p:sld xmlns:a="http://schemas.openxmlformats.org/drawingml/2006/main" xmlns:r="http://schemas.openxmlformats.org/officeDocument/2006/relationships" xmlns:p="http://schemas.openxmlformats.org/presentationml/2006/main">
-  <p:cSld>
-    <p:bg>
-      <p:bgPr>
-        <a:solidFill>
-          <a:schemeClr val="bg1"/>
-        </a:solidFill>
-        <a:effectLst/>
-      </p:bgPr>
-    </p:bg>
-    <p:spTree>
-      <p:nvGrpSpPr>
-        <p:cNvPr id="1" name=""/>
-        <p:cNvGrpSpPr/>
-        <p:nvPr/>
-      </p:nvGrpSpPr>
-      <p:grpSpPr>
-        <a:xfrm>
-          <a:off x="0" y="0"/>
-          <a:ext cx="0" cy="0"/>
-          <a:chOff x="0" y="0"/>
-          <a:chExt cx="0" cy="0"/>
-        </a:xfrm>
-      </p:grpSpPr>
-      <p:sp useBgFill="1">
-        <p:nvSpPr>
-          <p:cNvPr id="20" name="Rectangle 8">
-            <a:extLst>
-              <a:ext uri="{FF2B5EF4-FFF2-40B4-BE49-F238E27FC236}">
-                <a16:creationId xmlns:a16="http://schemas.microsoft.com/office/drawing/2014/main" id="{DBF61EA3-B236-439E-9C0B-340980D56BEE}"/>
-              </a:ext>
-              <a:ext uri="{C183D7F6-B498-43B3-948B-1728B52AA6E4}">
-                <adec:decorative xmlns:adec="http://schemas.microsoft.com/office/drawing/2017/decorative" val="1"/>
-              </a:ext>
-            </a:extLst>
-          </p:cNvPr>
-          <p:cNvSpPr>
-            <a:spLocks noGrp="1" noRot="1" noChangeAspect="1" noMove="1" noResize="1" noEditPoints="1" noAdjustHandles="1" noChangeArrowheads="1" noChangeShapeType="1" noTextEdit="1"/>
-          </p:cNvSpPr>
-          <p:nvPr>
-            <p:extLst>
-              <p:ext uri="{386F3935-93C4-4BCD-93E2-E3B085C9AB24}">
-                <p16:designElem xmlns:p16="http://schemas.microsoft.com/office/powerpoint/2015/main" val="1"/>
-              </p:ext>
-            </p:extLst>
-          </p:nvPr>
-        </p:nvSpPr>
-        <p:spPr>
-          <a:xfrm>
-            <a:off x="0" y="0"/>
-            <a:ext cx="12191999" cy="6857365"/>
-          </a:xfrm>
-          <a:prstGeom prst="rect">
-            <a:avLst/>
-          </a:prstGeom>
-          <a:ln>
-            <a:noFill/>
-          </a:ln>
-        </p:spPr>
-        <p:style>
-          <a:lnRef idx="2">
-            <a:schemeClr val="accent1">
-              <a:shade val="50000"/>
-            </a:schemeClr>
-          </a:lnRef>
-          <a:fillRef idx="1">
-            <a:schemeClr val="accent1"/>
-          </a:fillRef>
-          <a:effectRef idx="0">
-            <a:schemeClr val="accent1"/>
-          </a:effectRef>
-          <a:fontRef idx="minor">
-            <a:schemeClr val="lt1"/>
-          </a:fontRef>
-        </p:style>
-        <p:txBody>
-          <a:bodyPr rtlCol="0" anchor="ctr"/>
-          <a:lstStyle/>
-          <a:p>
-            <a:pPr algn="ctr"/>
-            <a:endParaRPr lang="en-US"/>
-          </a:p>
-        </p:txBody>
-      </p:sp>
-      <p:sp>
-        <p:nvSpPr>
-          <p:cNvPr id="2" name="Nadpis 1">
-            <a:extLst>
-              <a:ext uri="{FF2B5EF4-FFF2-40B4-BE49-F238E27FC236}">
-                <a16:creationId xmlns:a16="http://schemas.microsoft.com/office/drawing/2014/main" id="{5B48777E-3CF5-7678-00C9-6DF828D31DFB}"/>
-              </a:ext>
-            </a:extLst>
-          </p:cNvPr>
-          <p:cNvSpPr>
-            <a:spLocks noGrp="1"/>
-          </p:cNvSpPr>
-          <p:nvPr>
-            <p:ph type="title"/>
-          </p:nvPr>
-        </p:nvSpPr>
-        <p:spPr>
-          <a:xfrm>
-            <a:off x="808638" y="386930"/>
-            <a:ext cx="9236700" cy="1188950"/>
-          </a:xfrm>
-        </p:spPr>
-        <p:txBody>
-          <a:bodyPr anchor="b">
-            <a:normAutofit/>
-          </a:bodyPr>
-          <a:lstStyle/>
-          <a:p>
-            <a:r>
-              <a:rPr lang="cs-CZ" sz="5400" dirty="0"/>
-              <a:t>Cykly</a:t>
-            </a:r>
-          </a:p>
-        </p:txBody>
-      </p:sp>
-      <p:grpSp>
-        <p:nvGrpSpPr>
-          <p:cNvPr id="21" name="Group 10">
-            <a:extLst>
-              <a:ext uri="{FF2B5EF4-FFF2-40B4-BE49-F238E27FC236}">
-                <a16:creationId xmlns:a16="http://schemas.microsoft.com/office/drawing/2014/main" id="{28FAF094-D087-493F-8DF9-A486C2D6BBAA}"/>
-              </a:ext>
-              <a:ext uri="{C183D7F6-B498-43B3-948B-1728B52AA6E4}">
-                <adec:decorative xmlns:adec="http://schemas.microsoft.com/office/drawing/2017/decorative" val="1"/>
-              </a:ext>
-            </a:extLst>
-          </p:cNvPr>
-          <p:cNvGrpSpPr>
-            <a:grpSpLocks noGrp="1" noUngrp="1" noRot="1" noChangeAspect="1" noMove="1" noResize="1"/>
-          </p:cNvGrpSpPr>
-          <p:nvPr>
-            <p:extLst>
-              <p:ext uri="{386F3935-93C4-4BCD-93E2-E3B085C9AB24}">
-                <p16:designElem xmlns:p16="http://schemas.microsoft.com/office/powerpoint/2015/main" val="1"/>
-              </p:ext>
-            </p:extLst>
-          </p:nvPr>
-        </p:nvGrpSpPr>
-        <p:grpSpPr>
-          <a:xfrm>
-            <a:off x="-2" y="1998368"/>
-            <a:ext cx="11695083" cy="782176"/>
-            <a:chOff x="-2" y="1998368"/>
-            <a:chExt cx="11695083" cy="782176"/>
-          </a:xfrm>
-        </p:grpSpPr>
-        <p:sp>
-          <p:nvSpPr>
-            <p:cNvPr id="22" name="Rectangle 11">
-              <a:extLst>
-                <a:ext uri="{FF2B5EF4-FFF2-40B4-BE49-F238E27FC236}">
-                  <a16:creationId xmlns:a16="http://schemas.microsoft.com/office/drawing/2014/main" id="{8D7C88D8-5509-4514-925A-9CE148E5CBD6}"/>
-                </a:ext>
-                <a:ext uri="{C183D7F6-B498-43B3-948B-1728B52AA6E4}">
-                  <adec:decorative xmlns:adec="http://schemas.microsoft.com/office/drawing/2017/decorative" val="1"/>
-                </a:ext>
-              </a:extLst>
-            </p:cNvPr>
-            <p:cNvSpPr/>
-            <p:nvPr>
-              <p:extLst>
-                <p:ext uri="{386F3935-93C4-4BCD-93E2-E3B085C9AB24}">
-                  <p16:designElem xmlns:p16="http://schemas.microsoft.com/office/powerpoint/2015/main" val="1"/>
-                </p:ext>
-              </p:extLst>
-            </p:nvPr>
-          </p:nvSpPr>
-          <p:spPr>
-            <a:xfrm rot="5400000">
-              <a:off x="11228040" y="2313027"/>
-              <a:ext cx="781700" cy="152382"/>
-            </a:xfrm>
-            <a:prstGeom prst="rect">
-              <a:avLst/>
-            </a:prstGeom>
-            <a:solidFill>
-              <a:schemeClr val="accent4"/>
-            </a:solidFill>
-            <a:ln>
-              <a:noFill/>
-            </a:ln>
-          </p:spPr>
-          <p:style>
-            <a:lnRef idx="2">
-              <a:schemeClr val="accent1">
-                <a:shade val="50000"/>
-              </a:schemeClr>
-            </a:lnRef>
-            <a:fillRef idx="1">
-              <a:schemeClr val="accent1"/>
-            </a:fillRef>
-            <a:effectRef idx="0">
-              <a:schemeClr val="accent1"/>
-            </a:effectRef>
-            <a:fontRef idx="minor">
-              <a:schemeClr val="lt1"/>
-            </a:fontRef>
-          </p:style>
-          <p:txBody>
-            <a:bodyPr rtlCol="0" anchor="ctr"/>
-            <a:lstStyle/>
-            <a:p>
-              <a:pPr algn="ctr"/>
-              <a:endParaRPr lang="en-US"/>
-            </a:p>
-          </p:txBody>
-        </p:sp>
-        <p:sp>
-          <p:nvSpPr>
-            <p:cNvPr id="23" name="Rectangle 12">
-              <a:extLst>
-                <a:ext uri="{FF2B5EF4-FFF2-40B4-BE49-F238E27FC236}">
-                  <a16:creationId xmlns:a16="http://schemas.microsoft.com/office/drawing/2014/main" id="{7275593D-F75E-4426-AE3E-2CDEFD228D25}"/>
-                </a:ext>
-                <a:ext uri="{C183D7F6-B498-43B3-948B-1728B52AA6E4}">
-                  <adec:decorative xmlns:adec="http://schemas.microsoft.com/office/drawing/2017/decorative" val="1"/>
-                </a:ext>
-              </a:extLst>
-            </p:cNvPr>
-            <p:cNvSpPr/>
-            <p:nvPr>
-              <p:extLst>
-                <p:ext uri="{386F3935-93C4-4BCD-93E2-E3B085C9AB24}">
-                  <p16:designElem xmlns:p16="http://schemas.microsoft.com/office/powerpoint/2015/main" val="1"/>
-                </p:ext>
-              </p:extLst>
-            </p:nvPr>
-          </p:nvSpPr>
-          <p:spPr>
-            <a:xfrm flipH="1" flipV="1">
-              <a:off x="-2" y="1998845"/>
-              <a:ext cx="11454595" cy="781699"/>
-            </a:xfrm>
-            <a:prstGeom prst="rect">
-              <a:avLst/>
-            </a:prstGeom>
-            <a:solidFill>
-              <a:schemeClr val="accent4"/>
-            </a:solidFill>
-            <a:ln>
-              <a:noFill/>
-            </a:ln>
-          </p:spPr>
-          <p:style>
-            <a:lnRef idx="2">
-              <a:schemeClr val="accent1">
-                <a:shade val="50000"/>
-              </a:schemeClr>
-            </a:lnRef>
-            <a:fillRef idx="1">
-              <a:schemeClr val="accent1"/>
-            </a:fillRef>
-            <a:effectRef idx="0">
-              <a:schemeClr val="accent1"/>
-            </a:effectRef>
-            <a:fontRef idx="minor">
-              <a:schemeClr val="lt1"/>
-            </a:fontRef>
-          </p:style>
-          <p:txBody>
-            <a:bodyPr rtlCol="0" anchor="ctr"/>
-            <a:lstStyle/>
-            <a:p>
-              <a:pPr algn="ctr"/>
-              <a:endParaRPr lang="en-US"/>
-            </a:p>
-          </p:txBody>
-        </p:sp>
-      </p:grpSp>
-      <p:sp>
-        <p:nvSpPr>
-          <p:cNvPr id="15" name="Rectangle 14">
-            <a:extLst>
-              <a:ext uri="{FF2B5EF4-FFF2-40B4-BE49-F238E27FC236}">
-                <a16:creationId xmlns:a16="http://schemas.microsoft.com/office/drawing/2014/main" id="{E659831F-0D9A-4C63-9EBB-8435B85A440F}"/>
-              </a:ext>
-              <a:ext uri="{C183D7F6-B498-43B3-948B-1728B52AA6E4}">
-                <adec:decorative xmlns:adec="http://schemas.microsoft.com/office/drawing/2017/decorative" val="1"/>
-              </a:ext>
-            </a:extLst>
-          </p:cNvPr>
-          <p:cNvSpPr>
-            <a:spLocks noGrp="1" noRot="1" noChangeAspect="1" noMove="1" noResize="1" noEditPoints="1" noAdjustHandles="1" noChangeArrowheads="1" noChangeShapeType="1" noTextEdit="1"/>
-          </p:cNvSpPr>
-          <p:nvPr>
-            <p:extLst>
-              <p:ext uri="{386F3935-93C4-4BCD-93E2-E3B085C9AB24}">
-                <p16:designElem xmlns:p16="http://schemas.microsoft.com/office/powerpoint/2015/main" val="1"/>
-              </p:ext>
-            </p:extLst>
-          </p:nvPr>
-        </p:nvSpPr>
-        <p:spPr>
-          <a:xfrm>
-            <a:off x="0" y="2203079"/>
-            <a:ext cx="11383362" cy="4147845"/>
-          </a:xfrm>
-          <a:prstGeom prst="rect">
-            <a:avLst/>
-          </a:prstGeom>
-          <a:solidFill>
-            <a:schemeClr val="bg1"/>
-          </a:solidFill>
-          <a:ln>
-            <a:noFill/>
-          </a:ln>
-          <a:effectLst>
-            <a:outerShdw blurRad="139700" dist="127000" dir="5400000" algn="t" rotWithShape="0">
-              <a:prstClr val="black">
-                <a:alpha val="15000"/>
-              </a:prstClr>
-            </a:outerShdw>
-          </a:effectLst>
-        </p:spPr>
-        <p:style>
-          <a:lnRef idx="2">
-            <a:schemeClr val="accent1">
-              <a:shade val="50000"/>
-            </a:schemeClr>
-          </a:lnRef>
-          <a:fillRef idx="1">
-            <a:schemeClr val="accent1"/>
-          </a:fillRef>
-          <a:effectRef idx="0">
-            <a:schemeClr val="accent1"/>
-          </a:effectRef>
-          <a:fontRef idx="minor">
-            <a:schemeClr val="lt1"/>
-          </a:fontRef>
-        </p:style>
-        <p:txBody>
-          <a:bodyPr rtlCol="0" anchor="ctr"/>
-          <a:lstStyle/>
-          <a:p>
-            <a:pPr algn="ctr"/>
-            <a:endParaRPr lang="en-US"/>
-          </a:p>
-        </p:txBody>
-      </p:sp>
-      <p:sp>
-        <p:nvSpPr>
-          <p:cNvPr id="3" name="Zástupný obsah 2">
-            <a:extLst>
-              <a:ext uri="{FF2B5EF4-FFF2-40B4-BE49-F238E27FC236}">
-                <a16:creationId xmlns:a16="http://schemas.microsoft.com/office/drawing/2014/main" id="{B6D6F9B5-A402-19B6-202E-091D8C303AA4}"/>
-              </a:ext>
-            </a:extLst>
-          </p:cNvPr>
-          <p:cNvSpPr>
-            <a:spLocks noGrp="1"/>
-          </p:cNvSpPr>
-          <p:nvPr>
-            <p:ph idx="1"/>
-          </p:nvPr>
-        </p:nvSpPr>
-        <p:spPr>
-          <a:xfrm>
-            <a:off x="793660" y="2599509"/>
-            <a:ext cx="10143668" cy="3435531"/>
-          </a:xfrm>
-        </p:spPr>
-        <p:txBody>
-          <a:bodyPr anchor="ctr">
-            <a:normAutofit/>
-          </a:bodyPr>
-          <a:lstStyle/>
-          <a:p>
-            <a:r>
-              <a:rPr lang="cs-CZ" dirty="0"/>
-              <a:t>Cykly s neznámým počtem opakování</a:t>
-            </a:r>
-          </a:p>
-          <a:p>
-            <a:pPr lvl="1"/>
-            <a:r>
-              <a:rPr lang="cs-CZ" dirty="0"/>
-              <a:t>Cyklus se opakuje pokud je podmínka splněna</a:t>
-            </a:r>
-          </a:p>
-          <a:p>
-            <a:pPr lvl="1"/>
-            <a:r>
-              <a:rPr lang="cs-CZ" dirty="0"/>
-              <a:t>Podmínku hlídáme na konci případně na začátku cyklu</a:t>
-            </a:r>
-          </a:p>
-          <a:p>
-            <a:r>
-              <a:rPr lang="cs-CZ" dirty="0"/>
-              <a:t>Cyklus s pevným počtem opakování</a:t>
-            </a:r>
-          </a:p>
-          <a:p>
-            <a:pPr lvl="1"/>
-            <a:r>
-              <a:rPr lang="cs-CZ" dirty="0"/>
-              <a:t>Počet opakování je hlídaný pomocí proměnné, která je po každém provedení cyklu změněna</a:t>
-            </a:r>
-          </a:p>
-          <a:p>
-            <a:pPr lvl="1"/>
-            <a:r>
-              <a:rPr lang="cs-CZ" dirty="0"/>
-              <a:t>Typicky hodnotu zvyšujeme/snižujeme o 1</a:t>
+              <a:t>Blok instrukcí obsahuje příkazy obvykle pracující s proměnnými, které načteme od uživatele nebo je deklarujeme v průběhu</a:t>
             </a:r>
           </a:p>
         </p:txBody>
@@ -12585,10 +12079,10 @@
       </p:sp>
       <p:pic>
         <p:nvPicPr>
-          <p:cNvPr id="11" name="Obrázek 10">
-            <a:extLst>
-              <a:ext uri="{FF2B5EF4-FFF2-40B4-BE49-F238E27FC236}">
-                <a16:creationId xmlns:a16="http://schemas.microsoft.com/office/drawing/2014/main" id="{C4D41E9F-C911-4F75-8915-A82D90CF3077}"/>
+          <p:cNvPr id="13" name="Zástupný obsah 4">
+            <a:extLst>
+              <a:ext uri="{FF2B5EF4-FFF2-40B4-BE49-F238E27FC236}">
+                <a16:creationId xmlns:a16="http://schemas.microsoft.com/office/drawing/2014/main" id="{3B6F75A7-C940-4192-90AE-FE4BD79A1C3C}"/>
               </a:ext>
             </a:extLst>
           </p:cNvPr>
@@ -12605,8 +12099,8 @@
         </p:blipFill>
         <p:spPr>
           <a:xfrm>
-            <a:off x="8109986" y="1267177"/>
-            <a:ext cx="2729012" cy="1462382"/>
+            <a:off x="5251072" y="1692281"/>
+            <a:ext cx="2290552" cy="1240298"/>
           </a:xfrm>
           <a:prstGeom prst="rect">
             <a:avLst/>
@@ -12615,10 +12109,10 @@
       </p:pic>
       <p:pic>
         <p:nvPicPr>
-          <p:cNvPr id="12" name="Obrázek 11">
-            <a:extLst>
-              <a:ext uri="{FF2B5EF4-FFF2-40B4-BE49-F238E27FC236}">
-                <a16:creationId xmlns:a16="http://schemas.microsoft.com/office/drawing/2014/main" id="{4518250C-57F7-4FEA-8CF3-77C456A01D13}"/>
+          <p:cNvPr id="14" name="Obrázek 13">
+            <a:extLst>
+              <a:ext uri="{FF2B5EF4-FFF2-40B4-BE49-F238E27FC236}">
+                <a16:creationId xmlns:a16="http://schemas.microsoft.com/office/drawing/2014/main" id="{BC789FDA-41C4-4DF0-8B85-B70092ADE773}"/>
               </a:ext>
             </a:extLst>
           </p:cNvPr>
@@ -12635,8 +12129,8 @@
         </p:blipFill>
         <p:spPr>
           <a:xfrm>
-            <a:off x="5023708" y="1422082"/>
-            <a:ext cx="2640244" cy="1327497"/>
+            <a:off x="8210968" y="1494867"/>
+            <a:ext cx="2403246" cy="1577516"/>
           </a:xfrm>
           <a:prstGeom prst="rect">
             <a:avLst/>
@@ -12646,7 +12140,7 @@
     </p:spTree>
     <p:extLst>
       <p:ext uri="{BB962C8B-B14F-4D97-AF65-F5344CB8AC3E}">
-        <p14:creationId xmlns:p14="http://schemas.microsoft.com/office/powerpoint/2010/main" val="2413363494"/>
+        <p14:creationId xmlns:p14="http://schemas.microsoft.com/office/powerpoint/2010/main" val="3848800688"/>
       </p:ext>
     </p:extLst>
   </p:cSld>
